--- a/prezentation/дипломна_презентація.pptx
+++ b/prezentation/дипломна_презентація.pptx
@@ -3116,7 +3116,7 @@
           </p:nvPr>
         </p:nvSpPr>
         <p:spPr>
-          <a:xfrm rot="364284">
+          <a:xfrm rot="288794">
             <a:off x="98168" y="2510191"/>
             <a:ext cx="8864191" cy="1425509"/>
           </a:xfrm>
@@ -3288,7 +3288,7 @@
           <p:nvPr/>
         </p:nvSpPr>
         <p:spPr>
-          <a:xfrm rot="172831">
+          <a:xfrm>
             <a:off x="1924660" y="140242"/>
             <a:ext cx="5604611" cy="923330"/>
           </a:xfrm>
@@ -3729,6 +3729,36 @@
           </a:p>
         </p:txBody>
       </p:sp>
+      <p:pic>
+        <p:nvPicPr>
+          <p:cNvPr id="5" name="Рисунок 4"/>
+          <p:cNvPicPr>
+            <a:picLocks noChangeAspect="1"/>
+          </p:cNvPicPr>
+          <p:nvPr/>
+        </p:nvPicPr>
+        <p:blipFill>
+          <a:blip r:embed="rId2">
+            <a:extLst>
+              <a:ext uri="{28A0092B-C50C-407E-A947-70E740481C1C}">
+                <a14:useLocalDpi xmlns:a14="http://schemas.microsoft.com/office/drawing/2010/main" val="0"/>
+              </a:ext>
+            </a:extLst>
+          </a:blip>
+          <a:stretch>
+            <a:fillRect/>
+          </a:stretch>
+        </p:blipFill>
+        <p:spPr>
+          <a:xfrm>
+            <a:off x="0" y="3293862"/>
+            <a:ext cx="9144000" cy="3556000"/>
+          </a:xfrm>
+          <a:prstGeom prst="rect">
+            <a:avLst/>
+          </a:prstGeom>
+        </p:spPr>
+      </p:pic>
     </p:spTree>
     <p:extLst>
       <p:ext uri="{BB962C8B-B14F-4D97-AF65-F5344CB8AC3E}">
@@ -3739,6 +3769,13 @@
   <p:clrMapOvr>
     <a:masterClrMapping/>
   </p:clrMapOvr>
+  <p:timing>
+    <p:tnLst>
+      <p:par>
+        <p:cTn id="1" dur="indefinite" restart="never" nodeType="tmRoot"/>
+      </p:par>
+    </p:tnLst>
+  </p:timing>
 </p:sld>
 </file>
 

--- a/prezentation/дипломна_презентація.pptx
+++ b/prezentation/дипломна_презентація.pptx
@@ -7,6 +7,8 @@
   <p:sldIdLst>
     <p:sldId id="256" r:id="rId2"/>
     <p:sldId id="257" r:id="rId3"/>
+    <p:sldId id="258" r:id="rId4"/>
+    <p:sldId id="259" r:id="rId5"/>
   </p:sldIdLst>
   <p:sldSz cx="9144000" cy="6858000" type="screen4x3"/>
   <p:notesSz cx="6858000" cy="9144000"/>
@@ -3731,9 +3733,9 @@
       </p:sp>
       <p:pic>
         <p:nvPicPr>
-          <p:cNvPr id="5" name="Рисунок 4"/>
+          <p:cNvPr id="1026" name="Picture 2" descr="C:\Users\naziway\Source\Repos\GraduateWork\prezentation\телефонний ряд.png"/>
           <p:cNvPicPr>
-            <a:picLocks noChangeAspect="1"/>
+            <a:picLocks noChangeAspect="1" noChangeArrowheads="1"/>
           </p:cNvPicPr>
           <p:nvPr/>
         </p:nvPicPr>
@@ -3745,24 +3747,1670 @@
               </a:ext>
             </a:extLst>
           </a:blip>
+          <a:srcRect/>
           <a:stretch>
             <a:fillRect/>
           </a:stretch>
         </p:blipFill>
+        <p:spPr bwMode="auto">
+          <a:xfrm>
+            <a:off x="285749" y="3524250"/>
+            <a:ext cx="8572501" cy="3333750"/>
+          </a:xfrm>
+          <a:prstGeom prst="rect">
+            <a:avLst/>
+          </a:prstGeom>
+          <a:noFill/>
+          <a:extLst>
+            <a:ext uri="{909E8E84-426E-40DD-AFC4-6F175D3DCCD1}">
+              <a14:hiddenFill xmlns:a14="http://schemas.microsoft.com/office/drawing/2010/main">
+                <a:solidFill>
+                  <a:srgbClr val="FFFFFF"/>
+                </a:solidFill>
+              </a14:hiddenFill>
+            </a:ext>
+          </a:extLst>
+        </p:spPr>
+      </p:pic>
+      <p:pic>
+        <p:nvPicPr>
+          <p:cNvPr id="1027" name="Picture 3" descr="C:\Users\naziway\Source\Repos\GraduateWork\prezentation\весела чувіха що говорить по телефону.jpg"/>
+          <p:cNvPicPr>
+            <a:picLocks noChangeAspect="1" noChangeArrowheads="1"/>
+          </p:cNvPicPr>
+          <p:nvPr/>
+        </p:nvPicPr>
+        <p:blipFill rotWithShape="1">
+          <a:blip r:embed="rId3">
+            <a:extLst>
+              <a:ext uri="{28A0092B-C50C-407E-A947-70E740481C1C}">
+                <a14:useLocalDpi xmlns:a14="http://schemas.microsoft.com/office/drawing/2010/main" val="0"/>
+              </a:ext>
+            </a:extLst>
+          </a:blip>
+          <a:srcRect l="39078" r="9383"/>
+          <a:stretch/>
+        </p:blipFill>
+        <p:spPr bwMode="auto">
+          <a:xfrm>
+            <a:off x="6477000" y="1066800"/>
+            <a:ext cx="2590800" cy="2819400"/>
+          </a:xfrm>
+          <a:prstGeom prst="rect">
+            <a:avLst/>
+          </a:prstGeom>
+          <a:noFill/>
+          <a:extLst>
+            <a:ext uri="{909E8E84-426E-40DD-AFC4-6F175D3DCCD1}">
+              <a14:hiddenFill xmlns:a14="http://schemas.microsoft.com/office/drawing/2010/main">
+                <a:solidFill>
+                  <a:srgbClr val="FFFFFF"/>
+                </a:solidFill>
+              </a14:hiddenFill>
+            </a:ext>
+          </a:extLst>
+        </p:spPr>
+      </p:pic>
+      <p:pic>
+        <p:nvPicPr>
+          <p:cNvPr id="1028" name="Picture 4" descr="C:\Users\naziway\Source\Repos\GraduateWork\prezentation\веселий чувак що говорить по телефону.jpg"/>
+          <p:cNvPicPr>
+            <a:picLocks noChangeAspect="1" noChangeArrowheads="1"/>
+          </p:cNvPicPr>
+          <p:nvPr/>
+        </p:nvPicPr>
+        <p:blipFill rotWithShape="1">
+          <a:blip r:embed="rId4" cstate="print">
+            <a:extLst>
+              <a:ext uri="{28A0092B-C50C-407E-A947-70E740481C1C}">
+                <a14:useLocalDpi xmlns:a14="http://schemas.microsoft.com/office/drawing/2010/main" val="0"/>
+              </a:ext>
+            </a:extLst>
+          </a:blip>
+          <a:srcRect r="31222"/>
+          <a:stretch/>
+        </p:blipFill>
+        <p:spPr bwMode="auto">
+          <a:xfrm>
+            <a:off x="62065" y="1066800"/>
+            <a:ext cx="2757335" cy="2819400"/>
+          </a:xfrm>
+          <a:prstGeom prst="rect">
+            <a:avLst/>
+          </a:prstGeom>
+          <a:noFill/>
+          <a:extLst>
+            <a:ext uri="{909E8E84-426E-40DD-AFC4-6F175D3DCCD1}">
+              <a14:hiddenFill xmlns:a14="http://schemas.microsoft.com/office/drawing/2010/main">
+                <a:solidFill>
+                  <a:srgbClr val="FFFFFF"/>
+                </a:solidFill>
+              </a14:hiddenFill>
+            </a:ext>
+          </a:extLst>
+        </p:spPr>
+      </p:pic>
+      <p:sp>
+        <p:nvSpPr>
+          <p:cNvPr id="2" name="Прямоугольник 1"/>
+          <p:cNvSpPr/>
+          <p:nvPr/>
+        </p:nvSpPr>
         <p:spPr>
           <a:xfrm>
-            <a:off x="0" y="3293862"/>
-            <a:ext cx="9144000" cy="3556000"/>
+            <a:off x="2947219" y="1214497"/>
+            <a:ext cx="3453581" cy="2062103"/>
           </a:xfrm>
           <a:prstGeom prst="rect">
             <a:avLst/>
           </a:prstGeom>
         </p:spPr>
+        <p:txBody>
+          <a:bodyPr wrap="square">
+            <a:spAutoFit/>
+          </a:bodyPr>
+          <a:lstStyle/>
+          <a:p>
+            <a:r>
+              <a:rPr lang="ru-RU" sz="3200" dirty="0" smtClean="0">
+                <a:solidFill>
+                  <a:schemeClr val="bg1"/>
+                </a:solidFill>
+                <a:latin typeface="Times New Roman" panose="02020603050405020304" pitchFamily="18" charset="0"/>
+                <a:cs typeface="Times New Roman" panose="02020603050405020304" pitchFamily="18" charset="0"/>
+              </a:rPr>
+              <a:t>Ремонт </a:t>
+            </a:r>
+            <a:r>
+              <a:rPr lang="ru-RU" sz="3200" dirty="0" err="1">
+                <a:solidFill>
+                  <a:schemeClr val="bg1"/>
+                </a:solidFill>
+                <a:latin typeface="Times New Roman" panose="02020603050405020304" pitchFamily="18" charset="0"/>
+                <a:cs typeface="Times New Roman" panose="02020603050405020304" pitchFamily="18" charset="0"/>
+              </a:rPr>
+              <a:t>телефонів</a:t>
+            </a:r>
+            <a:r>
+              <a:rPr lang="ru-RU" sz="3200" dirty="0">
+                <a:solidFill>
+                  <a:schemeClr val="bg1"/>
+                </a:solidFill>
+                <a:latin typeface="Times New Roman" panose="02020603050405020304" pitchFamily="18" charset="0"/>
+                <a:cs typeface="Times New Roman" panose="02020603050405020304" pitchFamily="18" charset="0"/>
+              </a:rPr>
+              <a:t> </a:t>
+            </a:r>
+            <a:r>
+              <a:rPr lang="ru-RU" sz="3200" dirty="0" err="1">
+                <a:solidFill>
+                  <a:schemeClr val="bg1"/>
+                </a:solidFill>
+                <a:latin typeface="Times New Roman" panose="02020603050405020304" pitchFamily="18" charset="0"/>
+                <a:cs typeface="Times New Roman" panose="02020603050405020304" pitchFamily="18" charset="0"/>
+              </a:rPr>
+              <a:t>займає</a:t>
+            </a:r>
+            <a:r>
+              <a:rPr lang="ru-RU" sz="3200" dirty="0">
+                <a:solidFill>
+                  <a:schemeClr val="bg1"/>
+                </a:solidFill>
+                <a:latin typeface="Times New Roman" panose="02020603050405020304" pitchFamily="18" charset="0"/>
+                <a:cs typeface="Times New Roman" panose="02020603050405020304" pitchFamily="18" charset="0"/>
+              </a:rPr>
+              <a:t> </a:t>
+            </a:r>
+            <a:r>
+              <a:rPr lang="ru-RU" sz="3200" dirty="0" err="1">
+                <a:solidFill>
+                  <a:schemeClr val="bg1"/>
+                </a:solidFill>
+                <a:latin typeface="Times New Roman" panose="02020603050405020304" pitchFamily="18" charset="0"/>
+                <a:cs typeface="Times New Roman" panose="02020603050405020304" pitchFamily="18" charset="0"/>
+              </a:rPr>
+              <a:t>лідируючі</a:t>
+            </a:r>
+            <a:r>
+              <a:rPr lang="ru-RU" sz="3200" dirty="0">
+                <a:solidFill>
+                  <a:schemeClr val="bg1"/>
+                </a:solidFill>
+                <a:latin typeface="Times New Roman" panose="02020603050405020304" pitchFamily="18" charset="0"/>
+                <a:cs typeface="Times New Roman" panose="02020603050405020304" pitchFamily="18" charset="0"/>
+              </a:rPr>
+              <a:t> </a:t>
+            </a:r>
+            <a:r>
+              <a:rPr lang="ru-RU" sz="3200" dirty="0" err="1">
+                <a:solidFill>
+                  <a:schemeClr val="bg1"/>
+                </a:solidFill>
+                <a:latin typeface="Times New Roman" panose="02020603050405020304" pitchFamily="18" charset="0"/>
+                <a:cs typeface="Times New Roman" panose="02020603050405020304" pitchFamily="18" charset="0"/>
+              </a:rPr>
+              <a:t>позиції</a:t>
+            </a:r>
+            <a:r>
+              <a:rPr lang="ru-RU" sz="3200" dirty="0">
+                <a:solidFill>
+                  <a:schemeClr val="bg1"/>
+                </a:solidFill>
+                <a:latin typeface="Times New Roman" panose="02020603050405020304" pitchFamily="18" charset="0"/>
+                <a:cs typeface="Times New Roman" panose="02020603050405020304" pitchFamily="18" charset="0"/>
+              </a:rPr>
+              <a:t> </a:t>
+            </a:r>
+            <a:r>
+              <a:rPr lang="ru-RU" sz="3200" dirty="0" err="1">
+                <a:solidFill>
+                  <a:schemeClr val="bg1"/>
+                </a:solidFill>
+                <a:latin typeface="Times New Roman" panose="02020603050405020304" pitchFamily="18" charset="0"/>
+                <a:cs typeface="Times New Roman" panose="02020603050405020304" pitchFamily="18" charset="0"/>
+              </a:rPr>
+              <a:t>серед</a:t>
+            </a:r>
+            <a:r>
+              <a:rPr lang="ru-RU" sz="3200" dirty="0">
+                <a:solidFill>
+                  <a:schemeClr val="bg1"/>
+                </a:solidFill>
+                <a:latin typeface="Times New Roman" panose="02020603050405020304" pitchFamily="18" charset="0"/>
+                <a:cs typeface="Times New Roman" panose="02020603050405020304" pitchFamily="18" charset="0"/>
+              </a:rPr>
+              <a:t> </a:t>
+            </a:r>
+            <a:r>
+              <a:rPr lang="ru-RU" sz="3200" dirty="0" err="1" smtClean="0">
+                <a:solidFill>
+                  <a:schemeClr val="bg1"/>
+                </a:solidFill>
+                <a:latin typeface="Times New Roman" panose="02020603050405020304" pitchFamily="18" charset="0"/>
+                <a:cs typeface="Times New Roman" panose="02020603050405020304" pitchFamily="18" charset="0"/>
+              </a:rPr>
+              <a:t>усіх</a:t>
+            </a:r>
+            <a:r>
+              <a:rPr lang="ru-RU" sz="3200" dirty="0" smtClean="0">
+                <a:solidFill>
+                  <a:schemeClr val="bg1"/>
+                </a:solidFill>
+                <a:latin typeface="Times New Roman" panose="02020603050405020304" pitchFamily="18" charset="0"/>
+                <a:cs typeface="Times New Roman" panose="02020603050405020304" pitchFamily="18" charset="0"/>
+              </a:rPr>
+              <a:t> </a:t>
+            </a:r>
+            <a:r>
+              <a:rPr lang="ru-RU" sz="3200" dirty="0" err="1" smtClean="0">
+                <a:solidFill>
+                  <a:schemeClr val="bg1"/>
+                </a:solidFill>
+                <a:latin typeface="Times New Roman" panose="02020603050405020304" pitchFamily="18" charset="0"/>
+                <a:cs typeface="Times New Roman" panose="02020603050405020304" pitchFamily="18" charset="0"/>
+              </a:rPr>
+              <a:t>сервісних</a:t>
+            </a:r>
+            <a:r>
+              <a:rPr lang="ru-RU" sz="3200" dirty="0" smtClean="0">
+                <a:solidFill>
+                  <a:schemeClr val="bg1"/>
+                </a:solidFill>
+                <a:latin typeface="Times New Roman" panose="02020603050405020304" pitchFamily="18" charset="0"/>
+                <a:cs typeface="Times New Roman" panose="02020603050405020304" pitchFamily="18" charset="0"/>
+              </a:rPr>
+              <a:t> </a:t>
+            </a:r>
+            <a:r>
+              <a:rPr lang="ru-RU" sz="3200" dirty="0" err="1">
+                <a:solidFill>
+                  <a:schemeClr val="bg1"/>
+                </a:solidFill>
+                <a:latin typeface="Times New Roman" panose="02020603050405020304" pitchFamily="18" charset="0"/>
+                <a:cs typeface="Times New Roman" panose="02020603050405020304" pitchFamily="18" charset="0"/>
+              </a:rPr>
+              <a:t>послуг</a:t>
+            </a:r>
+            <a:r>
+              <a:rPr lang="ru-RU" sz="3200" dirty="0">
+                <a:solidFill>
+                  <a:schemeClr val="bg1"/>
+                </a:solidFill>
+                <a:latin typeface="Times New Roman" panose="02020603050405020304" pitchFamily="18" charset="0"/>
+                <a:cs typeface="Times New Roman" panose="02020603050405020304" pitchFamily="18" charset="0"/>
+              </a:rPr>
+              <a:t>.</a:t>
+            </a:r>
+            <a:endParaRPr lang="uk-UA" sz="3200" dirty="0">
+              <a:solidFill>
+                <a:schemeClr val="bg1"/>
+              </a:solidFill>
+              <a:latin typeface="Times New Roman" panose="02020603050405020304" pitchFamily="18" charset="0"/>
+              <a:cs typeface="Times New Roman" panose="02020603050405020304" pitchFamily="18" charset="0"/>
+            </a:endParaRPr>
+          </a:p>
+        </p:txBody>
+      </p:sp>
+    </p:spTree>
+    <p:extLst>
+      <p:ext uri="{BB962C8B-B14F-4D97-AF65-F5344CB8AC3E}">
+        <p14:creationId xmlns:p14="http://schemas.microsoft.com/office/powerpoint/2010/main" val="617846467"/>
+      </p:ext>
+    </p:extLst>
+  </p:cSld>
+  <p:clrMapOvr>
+    <a:masterClrMapping/>
+  </p:clrMapOvr>
+  <p:timing>
+    <p:tnLst>
+      <p:par>
+        <p:cTn id="1" dur="indefinite" restart="never" nodeType="tmRoot"/>
+      </p:par>
+    </p:tnLst>
+  </p:timing>
+</p:sld>
+</file>
+
+<file path=ppt/slides/slide3.xml><?xml version="1.0" encoding="utf-8"?>
+<p:sld xmlns:a="http://schemas.openxmlformats.org/drawingml/2006/main" xmlns:r="http://schemas.openxmlformats.org/officeDocument/2006/relationships" xmlns:p="http://schemas.openxmlformats.org/presentationml/2006/main">
+  <p:cSld>
+    <p:spTree>
+      <p:nvGrpSpPr>
+        <p:cNvPr id="1" name=""/>
+        <p:cNvGrpSpPr/>
+        <p:nvPr/>
+      </p:nvGrpSpPr>
+      <p:grpSpPr>
+        <a:xfrm>
+          <a:off x="0" y="0"/>
+          <a:ext cx="0" cy="0"/>
+          <a:chOff x="0" y="0"/>
+          <a:chExt cx="0" cy="0"/>
+        </a:xfrm>
+      </p:grpSpPr>
+      <p:sp>
+        <p:nvSpPr>
+          <p:cNvPr id="4" name="Rectangle 2"/>
+          <p:cNvSpPr txBox="1">
+            <a:spLocks noChangeArrowheads="1"/>
+          </p:cNvSpPr>
+          <p:nvPr/>
+        </p:nvSpPr>
+        <p:spPr>
+          <a:xfrm>
+            <a:off x="457200" y="-228600"/>
+            <a:ext cx="8229600" cy="1143000"/>
+          </a:xfrm>
+          <a:prstGeom prst="rect">
+            <a:avLst/>
+          </a:prstGeom>
+          <a:extLst/>
+        </p:spPr>
+        <p:txBody>
+          <a:bodyPr vert="horz" lIns="91440" tIns="45720" rIns="91440" bIns="45720" rtlCol="0" anchor="ctr" anchorCtr="1">
+            <a:normAutofit/>
+          </a:bodyPr>
+          <a:lstStyle>
+            <a:lvl1pPr algn="ctr" defTabSz="914400" rtl="0" eaLnBrk="1" fontAlgn="base" latinLnBrk="0" hangingPunct="1">
+              <a:spcBef>
+                <a:spcPct val="0"/>
+              </a:spcBef>
+              <a:spcAft>
+                <a:spcPct val="0"/>
+              </a:spcAft>
+              <a:buNone/>
+              <a:defRPr sz="4400" kern="1200">
+                <a:solidFill>
+                  <a:schemeClr val="tx2"/>
+                </a:solidFill>
+                <a:effectLst>
+                  <a:outerShdw blurRad="38100" dist="38100" dir="2700000" algn="tl">
+                    <a:srgbClr val="000000"/>
+                  </a:outerShdw>
+                </a:effectLst>
+                <a:latin typeface="+mj-lt"/>
+                <a:ea typeface="+mj-ea"/>
+                <a:cs typeface="+mj-cs"/>
+              </a:defRPr>
+            </a:lvl1pPr>
+            <a:lvl2pPr algn="ctr" rtl="0" fontAlgn="base">
+              <a:spcBef>
+                <a:spcPct val="0"/>
+              </a:spcBef>
+              <a:spcAft>
+                <a:spcPct val="0"/>
+              </a:spcAft>
+              <a:defRPr sz="4400">
+                <a:solidFill>
+                  <a:schemeClr val="tx2"/>
+                </a:solidFill>
+                <a:effectLst>
+                  <a:outerShdw blurRad="38100" dist="38100" dir="2700000" algn="tl">
+                    <a:srgbClr val="000000"/>
+                  </a:outerShdw>
+                </a:effectLst>
+                <a:latin typeface="Arial" charset="0"/>
+              </a:defRPr>
+            </a:lvl2pPr>
+            <a:lvl3pPr algn="ctr" rtl="0" fontAlgn="base">
+              <a:spcBef>
+                <a:spcPct val="0"/>
+              </a:spcBef>
+              <a:spcAft>
+                <a:spcPct val="0"/>
+              </a:spcAft>
+              <a:defRPr sz="4400">
+                <a:solidFill>
+                  <a:schemeClr val="tx2"/>
+                </a:solidFill>
+                <a:effectLst>
+                  <a:outerShdw blurRad="38100" dist="38100" dir="2700000" algn="tl">
+                    <a:srgbClr val="000000"/>
+                  </a:outerShdw>
+                </a:effectLst>
+                <a:latin typeface="Arial" charset="0"/>
+              </a:defRPr>
+            </a:lvl3pPr>
+            <a:lvl4pPr algn="ctr" rtl="0" fontAlgn="base">
+              <a:spcBef>
+                <a:spcPct val="0"/>
+              </a:spcBef>
+              <a:spcAft>
+                <a:spcPct val="0"/>
+              </a:spcAft>
+              <a:defRPr sz="4400">
+                <a:solidFill>
+                  <a:schemeClr val="tx2"/>
+                </a:solidFill>
+                <a:effectLst>
+                  <a:outerShdw blurRad="38100" dist="38100" dir="2700000" algn="tl">
+                    <a:srgbClr val="000000"/>
+                  </a:outerShdw>
+                </a:effectLst>
+                <a:latin typeface="Arial" charset="0"/>
+              </a:defRPr>
+            </a:lvl4pPr>
+            <a:lvl5pPr algn="ctr" rtl="0" fontAlgn="base">
+              <a:spcBef>
+                <a:spcPct val="0"/>
+              </a:spcBef>
+              <a:spcAft>
+                <a:spcPct val="0"/>
+              </a:spcAft>
+              <a:defRPr sz="4400">
+                <a:solidFill>
+                  <a:schemeClr val="tx2"/>
+                </a:solidFill>
+                <a:effectLst>
+                  <a:outerShdw blurRad="38100" dist="38100" dir="2700000" algn="tl">
+                    <a:srgbClr val="000000"/>
+                  </a:outerShdw>
+                </a:effectLst>
+                <a:latin typeface="Arial" charset="0"/>
+              </a:defRPr>
+            </a:lvl5pPr>
+            <a:lvl6pPr marL="457200" algn="ctr" rtl="0" fontAlgn="base">
+              <a:spcBef>
+                <a:spcPct val="0"/>
+              </a:spcBef>
+              <a:spcAft>
+                <a:spcPct val="0"/>
+              </a:spcAft>
+              <a:defRPr sz="4400">
+                <a:solidFill>
+                  <a:schemeClr val="tx2"/>
+                </a:solidFill>
+                <a:effectLst>
+                  <a:outerShdw blurRad="38100" dist="38100" dir="2700000" algn="tl">
+                    <a:srgbClr val="000000"/>
+                  </a:outerShdw>
+                </a:effectLst>
+                <a:latin typeface="Arial" charset="0"/>
+              </a:defRPr>
+            </a:lvl6pPr>
+            <a:lvl7pPr marL="914400" algn="ctr" rtl="0" fontAlgn="base">
+              <a:spcBef>
+                <a:spcPct val="0"/>
+              </a:spcBef>
+              <a:spcAft>
+                <a:spcPct val="0"/>
+              </a:spcAft>
+              <a:defRPr sz="4400">
+                <a:solidFill>
+                  <a:schemeClr val="tx2"/>
+                </a:solidFill>
+                <a:effectLst>
+                  <a:outerShdw blurRad="38100" dist="38100" dir="2700000" algn="tl">
+                    <a:srgbClr val="000000"/>
+                  </a:outerShdw>
+                </a:effectLst>
+                <a:latin typeface="Arial" charset="0"/>
+              </a:defRPr>
+            </a:lvl7pPr>
+            <a:lvl8pPr marL="1371600" algn="ctr" rtl="0" fontAlgn="base">
+              <a:spcBef>
+                <a:spcPct val="0"/>
+              </a:spcBef>
+              <a:spcAft>
+                <a:spcPct val="0"/>
+              </a:spcAft>
+              <a:defRPr sz="4400">
+                <a:solidFill>
+                  <a:schemeClr val="tx2"/>
+                </a:solidFill>
+                <a:effectLst>
+                  <a:outerShdw blurRad="38100" dist="38100" dir="2700000" algn="tl">
+                    <a:srgbClr val="000000"/>
+                  </a:outerShdw>
+                </a:effectLst>
+                <a:latin typeface="Arial" charset="0"/>
+              </a:defRPr>
+            </a:lvl8pPr>
+            <a:lvl9pPr marL="1828800" algn="ctr" rtl="0" fontAlgn="base">
+              <a:spcBef>
+                <a:spcPct val="0"/>
+              </a:spcBef>
+              <a:spcAft>
+                <a:spcPct val="0"/>
+              </a:spcAft>
+              <a:defRPr sz="4400">
+                <a:solidFill>
+                  <a:schemeClr val="tx2"/>
+                </a:solidFill>
+                <a:effectLst>
+                  <a:outerShdw blurRad="38100" dist="38100" dir="2700000" algn="tl">
+                    <a:srgbClr val="000000"/>
+                  </a:outerShdw>
+                </a:effectLst>
+                <a:latin typeface="Arial" charset="0"/>
+              </a:defRPr>
+            </a:lvl9pPr>
+          </a:lstStyle>
+          <a:p>
+            <a:pPr>
+              <a:defRPr/>
+            </a:pPr>
+            <a:r>
+              <a:rPr lang="ru-RU" sz="5400" dirty="0" smtClean="0">
+                <a:solidFill>
+                  <a:schemeClr val="bg1"/>
+                </a:solidFill>
+                <a:latin typeface="Times New Roman" pitchFamily="18" charset="0"/>
+              </a:rPr>
+              <a:t>Об</a:t>
+            </a:r>
+            <a:r>
+              <a:rPr lang="en-US" sz="5400" dirty="0" smtClean="0">
+                <a:solidFill>
+                  <a:schemeClr val="bg1"/>
+                </a:solidFill>
+                <a:latin typeface="Times New Roman" pitchFamily="18" charset="0"/>
+              </a:rPr>
+              <a:t>`</a:t>
+            </a:r>
+            <a:r>
+              <a:rPr lang="uk-UA" sz="5400" dirty="0" err="1" smtClean="0">
+                <a:solidFill>
+                  <a:schemeClr val="bg1"/>
+                </a:solidFill>
+                <a:latin typeface="Times New Roman" pitchFamily="18" charset="0"/>
+              </a:rPr>
+              <a:t>єкт</a:t>
+            </a:r>
+            <a:r>
+              <a:rPr lang="uk-UA" sz="5400" dirty="0" smtClean="0">
+                <a:solidFill>
+                  <a:schemeClr val="bg1"/>
+                </a:solidFill>
+                <a:latin typeface="Times New Roman" pitchFamily="18" charset="0"/>
+              </a:rPr>
+              <a:t> дослідження</a:t>
+            </a:r>
+            <a:endParaRPr lang="ru-RU" sz="5400" dirty="0">
+              <a:solidFill>
+                <a:schemeClr val="bg1"/>
+              </a:solidFill>
+              <a:latin typeface="Times New Roman" pitchFamily="18" charset="0"/>
+            </a:endParaRPr>
+          </a:p>
+        </p:txBody>
+      </p:sp>
+      <p:pic>
+        <p:nvPicPr>
+          <p:cNvPr id="2054" name="Picture 6" descr="C:\Users\naziway\Source\Repos\GraduateWork\prezentation\підприємство.png"/>
+          <p:cNvPicPr>
+            <a:picLocks noChangeAspect="1" noChangeArrowheads="1"/>
+          </p:cNvPicPr>
+          <p:nvPr/>
+        </p:nvPicPr>
+        <p:blipFill>
+          <a:blip r:embed="rId2">
+            <a:extLst>
+              <a:ext uri="{28A0092B-C50C-407E-A947-70E740481C1C}">
+                <a14:useLocalDpi xmlns:a14="http://schemas.microsoft.com/office/drawing/2010/main" val="0"/>
+              </a:ext>
+            </a:extLst>
+          </a:blip>
+          <a:srcRect/>
+          <a:stretch>
+            <a:fillRect/>
+          </a:stretch>
+        </p:blipFill>
+        <p:spPr bwMode="auto">
+          <a:xfrm>
+            <a:off x="-63349" y="1701800"/>
+            <a:ext cx="9178320" cy="3657600"/>
+          </a:xfrm>
+          <a:prstGeom prst="rect">
+            <a:avLst/>
+          </a:prstGeom>
+          <a:noFill/>
+          <a:extLst>
+            <a:ext uri="{909E8E84-426E-40DD-AFC4-6F175D3DCCD1}">
+              <a14:hiddenFill xmlns:a14="http://schemas.microsoft.com/office/drawing/2010/main">
+                <a:solidFill>
+                  <a:srgbClr val="FFFFFF"/>
+                </a:solidFill>
+              </a14:hiddenFill>
+            </a:ext>
+          </a:extLst>
+        </p:spPr>
+      </p:pic>
+      <p:sp>
+        <p:nvSpPr>
+          <p:cNvPr id="11" name="Rectangle 2"/>
+          <p:cNvSpPr txBox="1">
+            <a:spLocks noChangeArrowheads="1"/>
+          </p:cNvSpPr>
+          <p:nvPr/>
+        </p:nvSpPr>
+        <p:spPr>
+          <a:xfrm>
+            <a:off x="609600" y="762000"/>
+            <a:ext cx="8229600" cy="1143000"/>
+          </a:xfrm>
+          <a:prstGeom prst="rect">
+            <a:avLst/>
+          </a:prstGeom>
+          <a:extLst/>
+        </p:spPr>
+        <p:txBody>
+          <a:bodyPr vert="horz" lIns="91440" tIns="45720" rIns="91440" bIns="45720" rtlCol="0" anchor="ctr" anchorCtr="1">
+            <a:normAutofit fontScale="85000" lnSpcReduction="10000"/>
+          </a:bodyPr>
+          <a:lstStyle>
+            <a:lvl1pPr algn="ctr" defTabSz="914400" rtl="0" eaLnBrk="1" fontAlgn="base" latinLnBrk="0" hangingPunct="1">
+              <a:spcBef>
+                <a:spcPct val="0"/>
+              </a:spcBef>
+              <a:spcAft>
+                <a:spcPct val="0"/>
+              </a:spcAft>
+              <a:buNone/>
+              <a:defRPr sz="4400" kern="1200">
+                <a:solidFill>
+                  <a:schemeClr val="tx2"/>
+                </a:solidFill>
+                <a:effectLst>
+                  <a:outerShdw blurRad="38100" dist="38100" dir="2700000" algn="tl">
+                    <a:srgbClr val="000000"/>
+                  </a:outerShdw>
+                </a:effectLst>
+                <a:latin typeface="+mj-lt"/>
+                <a:ea typeface="+mj-ea"/>
+                <a:cs typeface="+mj-cs"/>
+              </a:defRPr>
+            </a:lvl1pPr>
+            <a:lvl2pPr algn="ctr" rtl="0" fontAlgn="base">
+              <a:spcBef>
+                <a:spcPct val="0"/>
+              </a:spcBef>
+              <a:spcAft>
+                <a:spcPct val="0"/>
+              </a:spcAft>
+              <a:defRPr sz="4400">
+                <a:solidFill>
+                  <a:schemeClr val="tx2"/>
+                </a:solidFill>
+                <a:effectLst>
+                  <a:outerShdw blurRad="38100" dist="38100" dir="2700000" algn="tl">
+                    <a:srgbClr val="000000"/>
+                  </a:outerShdw>
+                </a:effectLst>
+                <a:latin typeface="Arial" charset="0"/>
+              </a:defRPr>
+            </a:lvl2pPr>
+            <a:lvl3pPr algn="ctr" rtl="0" fontAlgn="base">
+              <a:spcBef>
+                <a:spcPct val="0"/>
+              </a:spcBef>
+              <a:spcAft>
+                <a:spcPct val="0"/>
+              </a:spcAft>
+              <a:defRPr sz="4400">
+                <a:solidFill>
+                  <a:schemeClr val="tx2"/>
+                </a:solidFill>
+                <a:effectLst>
+                  <a:outerShdw blurRad="38100" dist="38100" dir="2700000" algn="tl">
+                    <a:srgbClr val="000000"/>
+                  </a:outerShdw>
+                </a:effectLst>
+                <a:latin typeface="Arial" charset="0"/>
+              </a:defRPr>
+            </a:lvl3pPr>
+            <a:lvl4pPr algn="ctr" rtl="0" fontAlgn="base">
+              <a:spcBef>
+                <a:spcPct val="0"/>
+              </a:spcBef>
+              <a:spcAft>
+                <a:spcPct val="0"/>
+              </a:spcAft>
+              <a:defRPr sz="4400">
+                <a:solidFill>
+                  <a:schemeClr val="tx2"/>
+                </a:solidFill>
+                <a:effectLst>
+                  <a:outerShdw blurRad="38100" dist="38100" dir="2700000" algn="tl">
+                    <a:srgbClr val="000000"/>
+                  </a:outerShdw>
+                </a:effectLst>
+                <a:latin typeface="Arial" charset="0"/>
+              </a:defRPr>
+            </a:lvl4pPr>
+            <a:lvl5pPr algn="ctr" rtl="0" fontAlgn="base">
+              <a:spcBef>
+                <a:spcPct val="0"/>
+              </a:spcBef>
+              <a:spcAft>
+                <a:spcPct val="0"/>
+              </a:spcAft>
+              <a:defRPr sz="4400">
+                <a:solidFill>
+                  <a:schemeClr val="tx2"/>
+                </a:solidFill>
+                <a:effectLst>
+                  <a:outerShdw blurRad="38100" dist="38100" dir="2700000" algn="tl">
+                    <a:srgbClr val="000000"/>
+                  </a:outerShdw>
+                </a:effectLst>
+                <a:latin typeface="Arial" charset="0"/>
+              </a:defRPr>
+            </a:lvl5pPr>
+            <a:lvl6pPr marL="457200" algn="ctr" rtl="0" fontAlgn="base">
+              <a:spcBef>
+                <a:spcPct val="0"/>
+              </a:spcBef>
+              <a:spcAft>
+                <a:spcPct val="0"/>
+              </a:spcAft>
+              <a:defRPr sz="4400">
+                <a:solidFill>
+                  <a:schemeClr val="tx2"/>
+                </a:solidFill>
+                <a:effectLst>
+                  <a:outerShdw blurRad="38100" dist="38100" dir="2700000" algn="tl">
+                    <a:srgbClr val="000000"/>
+                  </a:outerShdw>
+                </a:effectLst>
+                <a:latin typeface="Arial" charset="0"/>
+              </a:defRPr>
+            </a:lvl6pPr>
+            <a:lvl7pPr marL="914400" algn="ctr" rtl="0" fontAlgn="base">
+              <a:spcBef>
+                <a:spcPct val="0"/>
+              </a:spcBef>
+              <a:spcAft>
+                <a:spcPct val="0"/>
+              </a:spcAft>
+              <a:defRPr sz="4400">
+                <a:solidFill>
+                  <a:schemeClr val="tx2"/>
+                </a:solidFill>
+                <a:effectLst>
+                  <a:outerShdw blurRad="38100" dist="38100" dir="2700000" algn="tl">
+                    <a:srgbClr val="000000"/>
+                  </a:outerShdw>
+                </a:effectLst>
+                <a:latin typeface="Arial" charset="0"/>
+              </a:defRPr>
+            </a:lvl7pPr>
+            <a:lvl8pPr marL="1371600" algn="ctr" rtl="0" fontAlgn="base">
+              <a:spcBef>
+                <a:spcPct val="0"/>
+              </a:spcBef>
+              <a:spcAft>
+                <a:spcPct val="0"/>
+              </a:spcAft>
+              <a:defRPr sz="4400">
+                <a:solidFill>
+                  <a:schemeClr val="tx2"/>
+                </a:solidFill>
+                <a:effectLst>
+                  <a:outerShdw blurRad="38100" dist="38100" dir="2700000" algn="tl">
+                    <a:srgbClr val="000000"/>
+                  </a:outerShdw>
+                </a:effectLst>
+                <a:latin typeface="Arial" charset="0"/>
+              </a:defRPr>
+            </a:lvl8pPr>
+            <a:lvl9pPr marL="1828800" algn="ctr" rtl="0" fontAlgn="base">
+              <a:spcBef>
+                <a:spcPct val="0"/>
+              </a:spcBef>
+              <a:spcAft>
+                <a:spcPct val="0"/>
+              </a:spcAft>
+              <a:defRPr sz="4400">
+                <a:solidFill>
+                  <a:schemeClr val="tx2"/>
+                </a:solidFill>
+                <a:effectLst>
+                  <a:outerShdw blurRad="38100" dist="38100" dir="2700000" algn="tl">
+                    <a:srgbClr val="000000"/>
+                  </a:outerShdw>
+                </a:effectLst>
+                <a:latin typeface="Arial" charset="0"/>
+              </a:defRPr>
+            </a:lvl9pPr>
+          </a:lstStyle>
+          <a:p>
+            <a:pPr>
+              <a:defRPr/>
+            </a:pPr>
+            <a:r>
+              <a:rPr lang="ru-RU" sz="5400" dirty="0" err="1" smtClean="0">
+                <a:solidFill>
+                  <a:schemeClr val="bg1"/>
+                </a:solidFill>
+                <a:latin typeface="Times New Roman" pitchFamily="18" charset="0"/>
+              </a:rPr>
+              <a:t>Сервісний</a:t>
+            </a:r>
+            <a:r>
+              <a:rPr lang="ru-RU" sz="5400" dirty="0" smtClean="0">
+                <a:solidFill>
+                  <a:schemeClr val="bg1"/>
+                </a:solidFill>
+                <a:latin typeface="Times New Roman" pitchFamily="18" charset="0"/>
+              </a:rPr>
+              <a:t> центр «</a:t>
+            </a:r>
+            <a:r>
+              <a:rPr lang="ru-RU" sz="5400" dirty="0" err="1" smtClean="0">
+                <a:solidFill>
+                  <a:schemeClr val="bg1"/>
+                </a:solidFill>
+                <a:latin typeface="Times New Roman" pitchFamily="18" charset="0"/>
+              </a:rPr>
+              <a:t>СервісФон</a:t>
+            </a:r>
+            <a:r>
+              <a:rPr lang="ru-RU" sz="5400" dirty="0" smtClean="0">
+                <a:solidFill>
+                  <a:schemeClr val="bg1"/>
+                </a:solidFill>
+                <a:latin typeface="Times New Roman" pitchFamily="18" charset="0"/>
+              </a:rPr>
+              <a:t>»</a:t>
+            </a:r>
+            <a:endParaRPr lang="ru-RU" sz="5400" dirty="0">
+              <a:solidFill>
+                <a:schemeClr val="bg1"/>
+              </a:solidFill>
+              <a:latin typeface="Times New Roman" pitchFamily="18" charset="0"/>
+            </a:endParaRPr>
+          </a:p>
+        </p:txBody>
+      </p:sp>
+      <p:sp>
+        <p:nvSpPr>
+          <p:cNvPr id="12" name="Rectangle 2"/>
+          <p:cNvSpPr txBox="1">
+            <a:spLocks noChangeArrowheads="1"/>
+          </p:cNvSpPr>
+          <p:nvPr/>
+        </p:nvSpPr>
+        <p:spPr>
+          <a:xfrm>
+            <a:off x="584200" y="5105400"/>
+            <a:ext cx="8229600" cy="1143000"/>
+          </a:xfrm>
+          <a:prstGeom prst="rect">
+            <a:avLst/>
+          </a:prstGeom>
+          <a:extLst/>
+        </p:spPr>
+        <p:txBody>
+          <a:bodyPr vert="horz" lIns="91440" tIns="45720" rIns="91440" bIns="45720" rtlCol="0" anchor="ctr" anchorCtr="1">
+            <a:normAutofit fontScale="92500"/>
+          </a:bodyPr>
+          <a:lstStyle>
+            <a:lvl1pPr algn="ctr" defTabSz="914400" rtl="0" eaLnBrk="1" fontAlgn="base" latinLnBrk="0" hangingPunct="1">
+              <a:spcBef>
+                <a:spcPct val="0"/>
+              </a:spcBef>
+              <a:spcAft>
+                <a:spcPct val="0"/>
+              </a:spcAft>
+              <a:buNone/>
+              <a:defRPr sz="4400" kern="1200">
+                <a:solidFill>
+                  <a:schemeClr val="tx2"/>
+                </a:solidFill>
+                <a:effectLst>
+                  <a:outerShdw blurRad="38100" dist="38100" dir="2700000" algn="tl">
+                    <a:srgbClr val="000000"/>
+                  </a:outerShdw>
+                </a:effectLst>
+                <a:latin typeface="+mj-lt"/>
+                <a:ea typeface="+mj-ea"/>
+                <a:cs typeface="+mj-cs"/>
+              </a:defRPr>
+            </a:lvl1pPr>
+            <a:lvl2pPr algn="ctr" rtl="0" fontAlgn="base">
+              <a:spcBef>
+                <a:spcPct val="0"/>
+              </a:spcBef>
+              <a:spcAft>
+                <a:spcPct val="0"/>
+              </a:spcAft>
+              <a:defRPr sz="4400">
+                <a:solidFill>
+                  <a:schemeClr val="tx2"/>
+                </a:solidFill>
+                <a:effectLst>
+                  <a:outerShdw blurRad="38100" dist="38100" dir="2700000" algn="tl">
+                    <a:srgbClr val="000000"/>
+                  </a:outerShdw>
+                </a:effectLst>
+                <a:latin typeface="Arial" charset="0"/>
+              </a:defRPr>
+            </a:lvl2pPr>
+            <a:lvl3pPr algn="ctr" rtl="0" fontAlgn="base">
+              <a:spcBef>
+                <a:spcPct val="0"/>
+              </a:spcBef>
+              <a:spcAft>
+                <a:spcPct val="0"/>
+              </a:spcAft>
+              <a:defRPr sz="4400">
+                <a:solidFill>
+                  <a:schemeClr val="tx2"/>
+                </a:solidFill>
+                <a:effectLst>
+                  <a:outerShdw blurRad="38100" dist="38100" dir="2700000" algn="tl">
+                    <a:srgbClr val="000000"/>
+                  </a:outerShdw>
+                </a:effectLst>
+                <a:latin typeface="Arial" charset="0"/>
+              </a:defRPr>
+            </a:lvl3pPr>
+            <a:lvl4pPr algn="ctr" rtl="0" fontAlgn="base">
+              <a:spcBef>
+                <a:spcPct val="0"/>
+              </a:spcBef>
+              <a:spcAft>
+                <a:spcPct val="0"/>
+              </a:spcAft>
+              <a:defRPr sz="4400">
+                <a:solidFill>
+                  <a:schemeClr val="tx2"/>
+                </a:solidFill>
+                <a:effectLst>
+                  <a:outerShdw blurRad="38100" dist="38100" dir="2700000" algn="tl">
+                    <a:srgbClr val="000000"/>
+                  </a:outerShdw>
+                </a:effectLst>
+                <a:latin typeface="Arial" charset="0"/>
+              </a:defRPr>
+            </a:lvl4pPr>
+            <a:lvl5pPr algn="ctr" rtl="0" fontAlgn="base">
+              <a:spcBef>
+                <a:spcPct val="0"/>
+              </a:spcBef>
+              <a:spcAft>
+                <a:spcPct val="0"/>
+              </a:spcAft>
+              <a:defRPr sz="4400">
+                <a:solidFill>
+                  <a:schemeClr val="tx2"/>
+                </a:solidFill>
+                <a:effectLst>
+                  <a:outerShdw blurRad="38100" dist="38100" dir="2700000" algn="tl">
+                    <a:srgbClr val="000000"/>
+                  </a:outerShdw>
+                </a:effectLst>
+                <a:latin typeface="Arial" charset="0"/>
+              </a:defRPr>
+            </a:lvl5pPr>
+            <a:lvl6pPr marL="457200" algn="ctr" rtl="0" fontAlgn="base">
+              <a:spcBef>
+                <a:spcPct val="0"/>
+              </a:spcBef>
+              <a:spcAft>
+                <a:spcPct val="0"/>
+              </a:spcAft>
+              <a:defRPr sz="4400">
+                <a:solidFill>
+                  <a:schemeClr val="tx2"/>
+                </a:solidFill>
+                <a:effectLst>
+                  <a:outerShdw blurRad="38100" dist="38100" dir="2700000" algn="tl">
+                    <a:srgbClr val="000000"/>
+                  </a:outerShdw>
+                </a:effectLst>
+                <a:latin typeface="Arial" charset="0"/>
+              </a:defRPr>
+            </a:lvl6pPr>
+            <a:lvl7pPr marL="914400" algn="ctr" rtl="0" fontAlgn="base">
+              <a:spcBef>
+                <a:spcPct val="0"/>
+              </a:spcBef>
+              <a:spcAft>
+                <a:spcPct val="0"/>
+              </a:spcAft>
+              <a:defRPr sz="4400">
+                <a:solidFill>
+                  <a:schemeClr val="tx2"/>
+                </a:solidFill>
+                <a:effectLst>
+                  <a:outerShdw blurRad="38100" dist="38100" dir="2700000" algn="tl">
+                    <a:srgbClr val="000000"/>
+                  </a:outerShdw>
+                </a:effectLst>
+                <a:latin typeface="Arial" charset="0"/>
+              </a:defRPr>
+            </a:lvl7pPr>
+            <a:lvl8pPr marL="1371600" algn="ctr" rtl="0" fontAlgn="base">
+              <a:spcBef>
+                <a:spcPct val="0"/>
+              </a:spcBef>
+              <a:spcAft>
+                <a:spcPct val="0"/>
+              </a:spcAft>
+              <a:defRPr sz="4400">
+                <a:solidFill>
+                  <a:schemeClr val="tx2"/>
+                </a:solidFill>
+                <a:effectLst>
+                  <a:outerShdw blurRad="38100" dist="38100" dir="2700000" algn="tl">
+                    <a:srgbClr val="000000"/>
+                  </a:outerShdw>
+                </a:effectLst>
+                <a:latin typeface="Arial" charset="0"/>
+              </a:defRPr>
+            </a:lvl8pPr>
+            <a:lvl9pPr marL="1828800" algn="ctr" rtl="0" fontAlgn="base">
+              <a:spcBef>
+                <a:spcPct val="0"/>
+              </a:spcBef>
+              <a:spcAft>
+                <a:spcPct val="0"/>
+              </a:spcAft>
+              <a:defRPr sz="4400">
+                <a:solidFill>
+                  <a:schemeClr val="tx2"/>
+                </a:solidFill>
+                <a:effectLst>
+                  <a:outerShdw blurRad="38100" dist="38100" dir="2700000" algn="tl">
+                    <a:srgbClr val="000000"/>
+                  </a:outerShdw>
+                </a:effectLst>
+                <a:latin typeface="Arial" charset="0"/>
+              </a:defRPr>
+            </a:lvl9pPr>
+          </a:lstStyle>
+          <a:p>
+            <a:pPr>
+              <a:defRPr/>
+            </a:pPr>
+            <a:r>
+              <a:rPr lang="ru-RU" sz="5400" dirty="0" smtClean="0">
+                <a:solidFill>
+                  <a:schemeClr val="bg1"/>
+                </a:solidFill>
+                <a:latin typeface="Times New Roman" pitchFamily="18" charset="0"/>
+              </a:rPr>
+              <a:t>структура </a:t>
+            </a:r>
+            <a:r>
+              <a:rPr lang="ru-RU" sz="5400" dirty="0" err="1" smtClean="0">
+                <a:solidFill>
+                  <a:schemeClr val="bg1"/>
+                </a:solidFill>
+                <a:latin typeface="Times New Roman" pitchFamily="18" charset="0"/>
+              </a:rPr>
+              <a:t>сервісного</a:t>
+            </a:r>
+            <a:r>
+              <a:rPr lang="ru-RU" sz="5400" dirty="0" smtClean="0">
+                <a:solidFill>
+                  <a:schemeClr val="bg1"/>
+                </a:solidFill>
+                <a:latin typeface="Times New Roman" pitchFamily="18" charset="0"/>
+              </a:rPr>
+              <a:t> центру</a:t>
+            </a:r>
+            <a:endParaRPr lang="ru-RU" sz="5400" dirty="0">
+              <a:solidFill>
+                <a:schemeClr val="bg1"/>
+              </a:solidFill>
+              <a:latin typeface="Times New Roman" pitchFamily="18" charset="0"/>
+            </a:endParaRPr>
+          </a:p>
+        </p:txBody>
+      </p:sp>
+    </p:spTree>
+    <p:extLst>
+      <p:ext uri="{BB962C8B-B14F-4D97-AF65-F5344CB8AC3E}">
+        <p14:creationId xmlns:p14="http://schemas.microsoft.com/office/powerpoint/2010/main" val="343011420"/>
+      </p:ext>
+    </p:extLst>
+  </p:cSld>
+  <p:clrMapOvr>
+    <a:masterClrMapping/>
+  </p:clrMapOvr>
+  <p:timing>
+    <p:tnLst>
+      <p:par>
+        <p:cTn id="1" dur="indefinite" restart="never" nodeType="tmRoot"/>
+      </p:par>
+    </p:tnLst>
+  </p:timing>
+</p:sld>
+</file>
+
+<file path=ppt/slides/slide4.xml><?xml version="1.0" encoding="utf-8"?>
+<p:sld xmlns:a="http://schemas.openxmlformats.org/drawingml/2006/main" xmlns:r="http://schemas.openxmlformats.org/officeDocument/2006/relationships" xmlns:p="http://schemas.openxmlformats.org/presentationml/2006/main">
+  <p:cSld>
+    <p:spTree>
+      <p:nvGrpSpPr>
+        <p:cNvPr id="1" name=""/>
+        <p:cNvGrpSpPr/>
+        <p:nvPr/>
+      </p:nvGrpSpPr>
+      <p:grpSpPr>
+        <a:xfrm>
+          <a:off x="0" y="0"/>
+          <a:ext cx="0" cy="0"/>
+          <a:chOff x="0" y="0"/>
+          <a:chExt cx="0" cy="0"/>
+        </a:xfrm>
+      </p:grpSpPr>
+      <p:sp>
+        <p:nvSpPr>
+          <p:cNvPr id="4" name="Rectangle 2"/>
+          <p:cNvSpPr txBox="1">
+            <a:spLocks noChangeArrowheads="1"/>
+          </p:cNvSpPr>
+          <p:nvPr/>
+        </p:nvSpPr>
+        <p:spPr>
+          <a:xfrm>
+            <a:off x="457200" y="-228600"/>
+            <a:ext cx="8229600" cy="1143000"/>
+          </a:xfrm>
+          <a:prstGeom prst="rect">
+            <a:avLst/>
+          </a:prstGeom>
+          <a:extLst/>
+        </p:spPr>
+        <p:txBody>
+          <a:bodyPr vert="horz" lIns="91440" tIns="45720" rIns="91440" bIns="45720" rtlCol="0" anchor="ctr" anchorCtr="1">
+            <a:normAutofit/>
+          </a:bodyPr>
+          <a:lstStyle>
+            <a:lvl1pPr algn="ctr" defTabSz="914400" rtl="0" eaLnBrk="1" fontAlgn="base" latinLnBrk="0" hangingPunct="1">
+              <a:spcBef>
+                <a:spcPct val="0"/>
+              </a:spcBef>
+              <a:spcAft>
+                <a:spcPct val="0"/>
+              </a:spcAft>
+              <a:buNone/>
+              <a:defRPr sz="4400" kern="1200">
+                <a:solidFill>
+                  <a:schemeClr val="tx2"/>
+                </a:solidFill>
+                <a:effectLst>
+                  <a:outerShdw blurRad="38100" dist="38100" dir="2700000" algn="tl">
+                    <a:srgbClr val="000000"/>
+                  </a:outerShdw>
+                </a:effectLst>
+                <a:latin typeface="+mj-lt"/>
+                <a:ea typeface="+mj-ea"/>
+                <a:cs typeface="+mj-cs"/>
+              </a:defRPr>
+            </a:lvl1pPr>
+            <a:lvl2pPr algn="ctr" rtl="0" fontAlgn="base">
+              <a:spcBef>
+                <a:spcPct val="0"/>
+              </a:spcBef>
+              <a:spcAft>
+                <a:spcPct val="0"/>
+              </a:spcAft>
+              <a:defRPr sz="4400">
+                <a:solidFill>
+                  <a:schemeClr val="tx2"/>
+                </a:solidFill>
+                <a:effectLst>
+                  <a:outerShdw blurRad="38100" dist="38100" dir="2700000" algn="tl">
+                    <a:srgbClr val="000000"/>
+                  </a:outerShdw>
+                </a:effectLst>
+                <a:latin typeface="Arial" charset="0"/>
+              </a:defRPr>
+            </a:lvl2pPr>
+            <a:lvl3pPr algn="ctr" rtl="0" fontAlgn="base">
+              <a:spcBef>
+                <a:spcPct val="0"/>
+              </a:spcBef>
+              <a:spcAft>
+                <a:spcPct val="0"/>
+              </a:spcAft>
+              <a:defRPr sz="4400">
+                <a:solidFill>
+                  <a:schemeClr val="tx2"/>
+                </a:solidFill>
+                <a:effectLst>
+                  <a:outerShdw blurRad="38100" dist="38100" dir="2700000" algn="tl">
+                    <a:srgbClr val="000000"/>
+                  </a:outerShdw>
+                </a:effectLst>
+                <a:latin typeface="Arial" charset="0"/>
+              </a:defRPr>
+            </a:lvl3pPr>
+            <a:lvl4pPr algn="ctr" rtl="0" fontAlgn="base">
+              <a:spcBef>
+                <a:spcPct val="0"/>
+              </a:spcBef>
+              <a:spcAft>
+                <a:spcPct val="0"/>
+              </a:spcAft>
+              <a:defRPr sz="4400">
+                <a:solidFill>
+                  <a:schemeClr val="tx2"/>
+                </a:solidFill>
+                <a:effectLst>
+                  <a:outerShdw blurRad="38100" dist="38100" dir="2700000" algn="tl">
+                    <a:srgbClr val="000000"/>
+                  </a:outerShdw>
+                </a:effectLst>
+                <a:latin typeface="Arial" charset="0"/>
+              </a:defRPr>
+            </a:lvl4pPr>
+            <a:lvl5pPr algn="ctr" rtl="0" fontAlgn="base">
+              <a:spcBef>
+                <a:spcPct val="0"/>
+              </a:spcBef>
+              <a:spcAft>
+                <a:spcPct val="0"/>
+              </a:spcAft>
+              <a:defRPr sz="4400">
+                <a:solidFill>
+                  <a:schemeClr val="tx2"/>
+                </a:solidFill>
+                <a:effectLst>
+                  <a:outerShdw blurRad="38100" dist="38100" dir="2700000" algn="tl">
+                    <a:srgbClr val="000000"/>
+                  </a:outerShdw>
+                </a:effectLst>
+                <a:latin typeface="Arial" charset="0"/>
+              </a:defRPr>
+            </a:lvl5pPr>
+            <a:lvl6pPr marL="457200" algn="ctr" rtl="0" fontAlgn="base">
+              <a:spcBef>
+                <a:spcPct val="0"/>
+              </a:spcBef>
+              <a:spcAft>
+                <a:spcPct val="0"/>
+              </a:spcAft>
+              <a:defRPr sz="4400">
+                <a:solidFill>
+                  <a:schemeClr val="tx2"/>
+                </a:solidFill>
+                <a:effectLst>
+                  <a:outerShdw blurRad="38100" dist="38100" dir="2700000" algn="tl">
+                    <a:srgbClr val="000000"/>
+                  </a:outerShdw>
+                </a:effectLst>
+                <a:latin typeface="Arial" charset="0"/>
+              </a:defRPr>
+            </a:lvl6pPr>
+            <a:lvl7pPr marL="914400" algn="ctr" rtl="0" fontAlgn="base">
+              <a:spcBef>
+                <a:spcPct val="0"/>
+              </a:spcBef>
+              <a:spcAft>
+                <a:spcPct val="0"/>
+              </a:spcAft>
+              <a:defRPr sz="4400">
+                <a:solidFill>
+                  <a:schemeClr val="tx2"/>
+                </a:solidFill>
+                <a:effectLst>
+                  <a:outerShdw blurRad="38100" dist="38100" dir="2700000" algn="tl">
+                    <a:srgbClr val="000000"/>
+                  </a:outerShdw>
+                </a:effectLst>
+                <a:latin typeface="Arial" charset="0"/>
+              </a:defRPr>
+            </a:lvl7pPr>
+            <a:lvl8pPr marL="1371600" algn="ctr" rtl="0" fontAlgn="base">
+              <a:spcBef>
+                <a:spcPct val="0"/>
+              </a:spcBef>
+              <a:spcAft>
+                <a:spcPct val="0"/>
+              </a:spcAft>
+              <a:defRPr sz="4400">
+                <a:solidFill>
+                  <a:schemeClr val="tx2"/>
+                </a:solidFill>
+                <a:effectLst>
+                  <a:outerShdw blurRad="38100" dist="38100" dir="2700000" algn="tl">
+                    <a:srgbClr val="000000"/>
+                  </a:outerShdw>
+                </a:effectLst>
+                <a:latin typeface="Arial" charset="0"/>
+              </a:defRPr>
+            </a:lvl8pPr>
+            <a:lvl9pPr marL="1828800" algn="ctr" rtl="0" fontAlgn="base">
+              <a:spcBef>
+                <a:spcPct val="0"/>
+              </a:spcBef>
+              <a:spcAft>
+                <a:spcPct val="0"/>
+              </a:spcAft>
+              <a:defRPr sz="4400">
+                <a:solidFill>
+                  <a:schemeClr val="tx2"/>
+                </a:solidFill>
+                <a:effectLst>
+                  <a:outerShdw blurRad="38100" dist="38100" dir="2700000" algn="tl">
+                    <a:srgbClr val="000000"/>
+                  </a:outerShdw>
+                </a:effectLst>
+                <a:latin typeface="Arial" charset="0"/>
+              </a:defRPr>
+            </a:lvl9pPr>
+          </a:lstStyle>
+          <a:p>
+            <a:pPr>
+              <a:defRPr/>
+            </a:pPr>
+            <a:r>
+              <a:rPr lang="uk-UA" sz="5400" dirty="0" smtClean="0">
+                <a:solidFill>
+                  <a:schemeClr val="bg1"/>
+                </a:solidFill>
+                <a:latin typeface="Times New Roman" pitchFamily="18" charset="0"/>
+              </a:rPr>
+              <a:t>Предмет дослідження</a:t>
+            </a:r>
+            <a:endParaRPr lang="ru-RU" sz="5400" dirty="0">
+              <a:solidFill>
+                <a:schemeClr val="bg1"/>
+              </a:solidFill>
+              <a:latin typeface="Times New Roman" pitchFamily="18" charset="0"/>
+            </a:endParaRPr>
+          </a:p>
+        </p:txBody>
+      </p:sp>
+      <p:sp>
+        <p:nvSpPr>
+          <p:cNvPr id="5" name="Прямоугольник 4"/>
+          <p:cNvSpPr/>
+          <p:nvPr/>
+        </p:nvSpPr>
+        <p:spPr>
+          <a:xfrm>
+            <a:off x="228601" y="990600"/>
+            <a:ext cx="8839200" cy="954107"/>
+          </a:xfrm>
+          <a:prstGeom prst="rect">
+            <a:avLst/>
+          </a:prstGeom>
+        </p:spPr>
+        <p:txBody>
+          <a:bodyPr wrap="square">
+            <a:spAutoFit/>
+          </a:bodyPr>
+          <a:lstStyle/>
+          <a:p>
+            <a:pPr algn="ctr">
+              <a:defRPr/>
+            </a:pPr>
+            <a:r>
+              <a:rPr lang="ru-RU" sz="2800" dirty="0" err="1" smtClean="0">
+                <a:solidFill>
+                  <a:schemeClr val="bg1"/>
+                </a:solidFill>
+                <a:latin typeface="Times New Roman" pitchFamily="18" charset="0"/>
+              </a:rPr>
+              <a:t>Підвищення</a:t>
+            </a:r>
+            <a:r>
+              <a:rPr lang="ru-RU" sz="2800" dirty="0" smtClean="0">
+                <a:solidFill>
+                  <a:schemeClr val="bg1"/>
+                </a:solidFill>
+                <a:latin typeface="Times New Roman" pitchFamily="18" charset="0"/>
+              </a:rPr>
+              <a:t> </a:t>
+            </a:r>
+            <a:r>
+              <a:rPr lang="ru-RU" sz="2800" dirty="0" err="1" smtClean="0">
+                <a:solidFill>
+                  <a:schemeClr val="bg1"/>
+                </a:solidFill>
+                <a:latin typeface="Times New Roman" pitchFamily="18" charset="0"/>
+              </a:rPr>
+              <a:t>ефективності</a:t>
+            </a:r>
+            <a:r>
+              <a:rPr lang="ru-RU" sz="2800" dirty="0" smtClean="0">
+                <a:solidFill>
+                  <a:schemeClr val="bg1"/>
+                </a:solidFill>
+                <a:latin typeface="Times New Roman" pitchFamily="18" charset="0"/>
+              </a:rPr>
+              <a:t> </a:t>
+            </a:r>
+            <a:r>
+              <a:rPr lang="ru-RU" sz="2800" dirty="0" err="1" smtClean="0">
+                <a:solidFill>
+                  <a:schemeClr val="bg1"/>
+                </a:solidFill>
+                <a:latin typeface="Times New Roman" pitchFamily="18" charset="0"/>
+              </a:rPr>
+              <a:t>підприємства</a:t>
+            </a:r>
+            <a:r>
+              <a:rPr lang="ru-RU" sz="2800" dirty="0" smtClean="0">
+                <a:solidFill>
+                  <a:schemeClr val="bg1"/>
+                </a:solidFill>
+                <a:latin typeface="Times New Roman" pitchFamily="18" charset="0"/>
+              </a:rPr>
+              <a:t> за </a:t>
+            </a:r>
+            <a:r>
+              <a:rPr lang="ru-RU" sz="2800" dirty="0" err="1" smtClean="0">
+                <a:solidFill>
+                  <a:schemeClr val="bg1"/>
+                </a:solidFill>
+                <a:latin typeface="Times New Roman" pitchFamily="18" charset="0"/>
+              </a:rPr>
+              <a:t>рахунок</a:t>
+            </a:r>
+            <a:r>
+              <a:rPr lang="ru-RU" sz="2800" dirty="0" smtClean="0">
+                <a:solidFill>
+                  <a:schemeClr val="bg1"/>
+                </a:solidFill>
+                <a:latin typeface="Times New Roman" pitchFamily="18" charset="0"/>
+              </a:rPr>
+              <a:t> </a:t>
+            </a:r>
+            <a:r>
+              <a:rPr lang="ru-RU" sz="2800" dirty="0" err="1" smtClean="0">
+                <a:solidFill>
+                  <a:schemeClr val="bg1"/>
+                </a:solidFill>
+                <a:latin typeface="Times New Roman" pitchFamily="18" charset="0"/>
+              </a:rPr>
+              <a:t>впровадження</a:t>
+            </a:r>
+            <a:r>
+              <a:rPr lang="ru-RU" sz="2800" dirty="0" smtClean="0">
+                <a:solidFill>
+                  <a:schemeClr val="bg1"/>
+                </a:solidFill>
+                <a:latin typeface="Times New Roman" pitchFamily="18" charset="0"/>
+              </a:rPr>
+              <a:t> на </a:t>
+            </a:r>
+            <a:r>
+              <a:rPr lang="ru-RU" sz="2800" dirty="0" err="1" smtClean="0">
+                <a:solidFill>
+                  <a:schemeClr val="bg1"/>
+                </a:solidFill>
+                <a:latin typeface="Times New Roman" pitchFamily="18" charset="0"/>
+              </a:rPr>
+              <a:t>ньому</a:t>
+            </a:r>
+            <a:r>
+              <a:rPr lang="ru-RU" sz="2800" dirty="0" smtClean="0">
+                <a:solidFill>
+                  <a:schemeClr val="bg1"/>
+                </a:solidFill>
+                <a:latin typeface="Times New Roman" pitchFamily="18" charset="0"/>
+              </a:rPr>
+              <a:t> </a:t>
+            </a:r>
+            <a:r>
+              <a:rPr lang="ru-RU" sz="2800" dirty="0" err="1" smtClean="0">
+                <a:solidFill>
+                  <a:schemeClr val="bg1"/>
+                </a:solidFill>
+                <a:latin typeface="Times New Roman" pitchFamily="18" charset="0"/>
+              </a:rPr>
+              <a:t>автоматизації</a:t>
+            </a:r>
+            <a:r>
+              <a:rPr lang="ru-RU" sz="2800" dirty="0" smtClean="0">
+                <a:solidFill>
+                  <a:schemeClr val="bg1"/>
+                </a:solidFill>
+                <a:latin typeface="Times New Roman" pitchFamily="18" charset="0"/>
+              </a:rPr>
+              <a:t> </a:t>
+            </a:r>
+            <a:r>
+              <a:rPr lang="ru-RU" sz="2800" dirty="0" err="1" smtClean="0">
+                <a:solidFill>
+                  <a:schemeClr val="bg1"/>
+                </a:solidFill>
+                <a:latin typeface="Times New Roman" pitchFamily="18" charset="0"/>
+              </a:rPr>
+              <a:t>праці</a:t>
+            </a:r>
+            <a:endParaRPr lang="ru-RU" sz="2800" dirty="0">
+              <a:solidFill>
+                <a:schemeClr val="bg1"/>
+              </a:solidFill>
+              <a:latin typeface="Times New Roman" pitchFamily="18" charset="0"/>
+            </a:endParaRPr>
+          </a:p>
+        </p:txBody>
+      </p:sp>
+      <p:pic>
+        <p:nvPicPr>
+          <p:cNvPr id="3074" name="Picture 2" descr="C:\Users\naziway\Source\Repos\GraduateWork\prezentation\ефективність.jpg"/>
+          <p:cNvPicPr>
+            <a:picLocks noChangeAspect="1" noChangeArrowheads="1"/>
+          </p:cNvPicPr>
+          <p:nvPr/>
+        </p:nvPicPr>
+        <p:blipFill rotWithShape="1">
+          <a:blip r:embed="rId2">
+            <a:extLst>
+              <a:ext uri="{28A0092B-C50C-407E-A947-70E740481C1C}">
+                <a14:useLocalDpi xmlns:a14="http://schemas.microsoft.com/office/drawing/2010/main" val="0"/>
+              </a:ext>
+            </a:extLst>
+          </a:blip>
+          <a:srcRect l="10598" r="10381"/>
+          <a:stretch/>
+        </p:blipFill>
+        <p:spPr bwMode="auto">
+          <a:xfrm>
+            <a:off x="261259" y="1981200"/>
+            <a:ext cx="4357913" cy="2339902"/>
+          </a:xfrm>
+          <a:prstGeom prst="rect">
+            <a:avLst/>
+          </a:prstGeom>
+          <a:noFill/>
+          <a:extLst>
+            <a:ext uri="{909E8E84-426E-40DD-AFC4-6F175D3DCCD1}">
+              <a14:hiddenFill xmlns:a14="http://schemas.microsoft.com/office/drawing/2010/main">
+                <a:solidFill>
+                  <a:srgbClr val="FFFFFF"/>
+                </a:solidFill>
+              </a14:hiddenFill>
+            </a:ext>
+          </a:extLst>
+        </p:spPr>
+      </p:pic>
+      <p:pic>
+        <p:nvPicPr>
+          <p:cNvPr id="3075" name="Picture 3" descr="C:\Users\naziway\Source\Repos\GraduateWork\prezentation\ефективність2.jpg"/>
+          <p:cNvPicPr>
+            <a:picLocks noChangeAspect="1" noChangeArrowheads="1"/>
+          </p:cNvPicPr>
+          <p:nvPr/>
+        </p:nvPicPr>
+        <p:blipFill>
+          <a:blip r:embed="rId3" cstate="print">
+            <a:extLst>
+              <a:ext uri="{28A0092B-C50C-407E-A947-70E740481C1C}">
+                <a14:useLocalDpi xmlns:a14="http://schemas.microsoft.com/office/drawing/2010/main" val="0"/>
+              </a:ext>
+            </a:extLst>
+          </a:blip>
+          <a:srcRect/>
+          <a:stretch>
+            <a:fillRect/>
+          </a:stretch>
+        </p:blipFill>
+        <p:spPr bwMode="auto">
+          <a:xfrm>
+            <a:off x="4771571" y="1981200"/>
+            <a:ext cx="4114800" cy="2339902"/>
+          </a:xfrm>
+          <a:prstGeom prst="rect">
+            <a:avLst/>
+          </a:prstGeom>
+          <a:noFill/>
+          <a:extLst>
+            <a:ext uri="{909E8E84-426E-40DD-AFC4-6F175D3DCCD1}">
+              <a14:hiddenFill xmlns:a14="http://schemas.microsoft.com/office/drawing/2010/main">
+                <a:solidFill>
+                  <a:srgbClr val="FFFFFF"/>
+                </a:solidFill>
+              </a14:hiddenFill>
+            </a:ext>
+          </a:extLst>
+        </p:spPr>
+      </p:pic>
+      <p:pic>
+        <p:nvPicPr>
+          <p:cNvPr id="3076" name="Picture 4" descr="C:\Users\naziway\Source\Repos\GraduateWork\prezentation\ефективність діаграма.jpg"/>
+          <p:cNvPicPr>
+            <a:picLocks noChangeAspect="1" noChangeArrowheads="1"/>
+          </p:cNvPicPr>
+          <p:nvPr/>
+        </p:nvPicPr>
+        <p:blipFill>
+          <a:blip r:embed="rId4">
+            <a:extLst>
+              <a:ext uri="{28A0092B-C50C-407E-A947-70E740481C1C}">
+                <a14:useLocalDpi xmlns:a14="http://schemas.microsoft.com/office/drawing/2010/main" val="0"/>
+              </a:ext>
+            </a:extLst>
+          </a:blip>
+          <a:srcRect/>
+          <a:stretch>
+            <a:fillRect/>
+          </a:stretch>
+        </p:blipFill>
+        <p:spPr bwMode="auto">
+          <a:xfrm>
+            <a:off x="2819400" y="4267200"/>
+            <a:ext cx="3573009" cy="2559293"/>
+          </a:xfrm>
+          <a:prstGeom prst="rect">
+            <a:avLst/>
+          </a:prstGeom>
+          <a:noFill/>
+          <a:extLst>
+            <a:ext uri="{909E8E84-426E-40DD-AFC4-6F175D3DCCD1}">
+              <a14:hiddenFill xmlns:a14="http://schemas.microsoft.com/office/drawing/2010/main">
+                <a:solidFill>
+                  <a:srgbClr val="FFFFFF"/>
+                </a:solidFill>
+              </a14:hiddenFill>
+            </a:ext>
+          </a:extLst>
+        </p:spPr>
       </p:pic>
     </p:spTree>
     <p:extLst>
       <p:ext uri="{BB962C8B-B14F-4D97-AF65-F5344CB8AC3E}">
-        <p14:creationId xmlns:p14="http://schemas.microsoft.com/office/powerpoint/2010/main" val="617846467"/>
+        <p14:creationId xmlns:p14="http://schemas.microsoft.com/office/powerpoint/2010/main" val="4221130782"/>
       </p:ext>
     </p:extLst>
   </p:cSld>

--- a/prezentation/дипломна_презентація.pptx
+++ b/prezentation/дипломна_презентація.pptx
@@ -9,6 +9,9 @@
     <p:sldId id="257" r:id="rId3"/>
     <p:sldId id="258" r:id="rId4"/>
     <p:sldId id="259" r:id="rId5"/>
+    <p:sldId id="260" r:id="rId6"/>
+    <p:sldId id="261" r:id="rId7"/>
+    <p:sldId id="262" r:id="rId8"/>
   </p:sldIdLst>
   <p:sldSz cx="9144000" cy="6858000" type="screen4x3"/>
   <p:notesSz cx="6858000" cy="9144000"/>
@@ -291,7 +294,7 @@
           <a:p>
             <a:fld id="{7FA066C2-4F2E-4629-910D-2769CB27EBD8}" type="datetimeFigureOut">
               <a:rPr lang="ru-RU" smtClean="0"/>
-              <a:t>14.06.2017</a:t>
+              <a:t>15.06.2017</a:t>
             </a:fld>
             <a:endParaRPr lang="ru-RU"/>
           </a:p>
@@ -461,7 +464,7 @@
           <a:p>
             <a:fld id="{7FA066C2-4F2E-4629-910D-2769CB27EBD8}" type="datetimeFigureOut">
               <a:rPr lang="ru-RU" smtClean="0"/>
-              <a:t>14.06.2017</a:t>
+              <a:t>15.06.2017</a:t>
             </a:fld>
             <a:endParaRPr lang="ru-RU"/>
           </a:p>
@@ -641,7 +644,7 @@
           <a:p>
             <a:fld id="{7FA066C2-4F2E-4629-910D-2769CB27EBD8}" type="datetimeFigureOut">
               <a:rPr lang="ru-RU" smtClean="0"/>
-              <a:t>14.06.2017</a:t>
+              <a:t>15.06.2017</a:t>
             </a:fld>
             <a:endParaRPr lang="ru-RU"/>
           </a:p>
@@ -811,7 +814,7 @@
           <a:p>
             <a:fld id="{7FA066C2-4F2E-4629-910D-2769CB27EBD8}" type="datetimeFigureOut">
               <a:rPr lang="ru-RU" smtClean="0"/>
-              <a:t>14.06.2017</a:t>
+              <a:t>15.06.2017</a:t>
             </a:fld>
             <a:endParaRPr lang="ru-RU"/>
           </a:p>
@@ -1057,7 +1060,7 @@
           <a:p>
             <a:fld id="{7FA066C2-4F2E-4629-910D-2769CB27EBD8}" type="datetimeFigureOut">
               <a:rPr lang="ru-RU" smtClean="0"/>
-              <a:t>14.06.2017</a:t>
+              <a:t>15.06.2017</a:t>
             </a:fld>
             <a:endParaRPr lang="ru-RU"/>
           </a:p>
@@ -1345,7 +1348,7 @@
           <a:p>
             <a:fld id="{7FA066C2-4F2E-4629-910D-2769CB27EBD8}" type="datetimeFigureOut">
               <a:rPr lang="ru-RU" smtClean="0"/>
-              <a:t>14.06.2017</a:t>
+              <a:t>15.06.2017</a:t>
             </a:fld>
             <a:endParaRPr lang="ru-RU"/>
           </a:p>
@@ -1767,7 +1770,7 @@
           <a:p>
             <a:fld id="{7FA066C2-4F2E-4629-910D-2769CB27EBD8}" type="datetimeFigureOut">
               <a:rPr lang="ru-RU" smtClean="0"/>
-              <a:t>14.06.2017</a:t>
+              <a:t>15.06.2017</a:t>
             </a:fld>
             <a:endParaRPr lang="ru-RU"/>
           </a:p>
@@ -1885,7 +1888,7 @@
           <a:p>
             <a:fld id="{7FA066C2-4F2E-4629-910D-2769CB27EBD8}" type="datetimeFigureOut">
               <a:rPr lang="ru-RU" smtClean="0"/>
-              <a:t>14.06.2017</a:t>
+              <a:t>15.06.2017</a:t>
             </a:fld>
             <a:endParaRPr lang="ru-RU"/>
           </a:p>
@@ -1980,7 +1983,7 @@
           <a:p>
             <a:fld id="{7FA066C2-4F2E-4629-910D-2769CB27EBD8}" type="datetimeFigureOut">
               <a:rPr lang="ru-RU" smtClean="0"/>
-              <a:t>14.06.2017</a:t>
+              <a:t>15.06.2017</a:t>
             </a:fld>
             <a:endParaRPr lang="ru-RU"/>
           </a:p>
@@ -2257,7 +2260,7 @@
           <a:p>
             <a:fld id="{7FA066C2-4F2E-4629-910D-2769CB27EBD8}" type="datetimeFigureOut">
               <a:rPr lang="ru-RU" smtClean="0"/>
-              <a:t>14.06.2017</a:t>
+              <a:t>15.06.2017</a:t>
             </a:fld>
             <a:endParaRPr lang="ru-RU"/>
           </a:p>
@@ -2510,7 +2513,7 @@
           <a:p>
             <a:fld id="{7FA066C2-4F2E-4629-910D-2769CB27EBD8}" type="datetimeFigureOut">
               <a:rPr lang="ru-RU" smtClean="0"/>
-              <a:t>14.06.2017</a:t>
+              <a:t>15.06.2017</a:t>
             </a:fld>
             <a:endParaRPr lang="ru-RU"/>
           </a:p>
@@ -2732,7 +2735,7 @@
           <a:p>
             <a:fld id="{7FA066C2-4F2E-4629-910D-2769CB27EBD8}" type="datetimeFigureOut">
               <a:rPr lang="ru-RU" smtClean="0"/>
-              <a:t>14.06.2017</a:t>
+              <a:t>15.06.2017</a:t>
             </a:fld>
             <a:endParaRPr lang="ru-RU"/>
           </a:p>
@@ -4358,13 +4361,16 @@
         </p:blipFill>
         <p:spPr bwMode="auto">
           <a:xfrm>
-            <a:off x="-63349" y="1701800"/>
-            <a:ext cx="9178320" cy="3657600"/>
+            <a:off x="0" y="762000"/>
+            <a:ext cx="9000000" cy="5334000"/>
           </a:xfrm>
           <a:prstGeom prst="rect">
             <a:avLst/>
           </a:prstGeom>
           <a:noFill/>
+          <a:ln>
+            <a:noFill/>
+          </a:ln>
           <a:extLst>
             <a:ext uri="{909E8E84-426E-40DD-AFC4-6F175D3DCCD1}">
               <a14:hiddenFill xmlns:a14="http://schemas.microsoft.com/office/drawing/2010/main">
@@ -4396,7 +4402,7 @@
         </p:spPr>
         <p:txBody>
           <a:bodyPr vert="horz" lIns="91440" tIns="45720" rIns="91440" bIns="45720" rtlCol="0" anchor="ctr" anchorCtr="1">
-            <a:normAutofit fontScale="85000" lnSpcReduction="10000"/>
+            <a:normAutofit/>
           </a:bodyPr>
           <a:lstStyle>
             <a:lvl1pPr algn="ctr" defTabSz="914400" rtl="0" eaLnBrk="1" fontAlgn="base" latinLnBrk="0" hangingPunct="1">
@@ -4578,42 +4584,6 @@
             <a:pPr>
               <a:defRPr/>
             </a:pPr>
-            <a:r>
-              <a:rPr lang="ru-RU" sz="5400" dirty="0" err="1" smtClean="0">
-                <a:solidFill>
-                  <a:schemeClr val="bg1"/>
-                </a:solidFill>
-                <a:latin typeface="Times New Roman" pitchFamily="18" charset="0"/>
-              </a:rPr>
-              <a:t>Сервісний</a:t>
-            </a:r>
-            <a:r>
-              <a:rPr lang="ru-RU" sz="5400" dirty="0" smtClean="0">
-                <a:solidFill>
-                  <a:schemeClr val="bg1"/>
-                </a:solidFill>
-                <a:latin typeface="Times New Roman" pitchFamily="18" charset="0"/>
-              </a:rPr>
-              <a:t> центр «</a:t>
-            </a:r>
-            <a:r>
-              <a:rPr lang="ru-RU" sz="5400" dirty="0" err="1" smtClean="0">
-                <a:solidFill>
-                  <a:schemeClr val="bg1"/>
-                </a:solidFill>
-                <a:latin typeface="Times New Roman" pitchFamily="18" charset="0"/>
-              </a:rPr>
-              <a:t>СервісФон</a:t>
-            </a:r>
-            <a:r>
-              <a:rPr lang="ru-RU" sz="5400" dirty="0" smtClean="0">
-                <a:solidFill>
-                  <a:schemeClr val="bg1"/>
-                </a:solidFill>
-                <a:latin typeface="Times New Roman" pitchFamily="18" charset="0"/>
-              </a:rPr>
-              <a:t>»</a:t>
-            </a:r>
             <a:endParaRPr lang="ru-RU" sz="5400" dirty="0">
               <a:solidFill>
                 <a:schemeClr val="bg1"/>
@@ -4633,8 +4603,8 @@
         </p:nvSpPr>
         <p:spPr>
           <a:xfrm>
-            <a:off x="584200" y="5105400"/>
-            <a:ext cx="8229600" cy="1143000"/>
+            <a:off x="-495300" y="5943600"/>
+            <a:ext cx="10134599" cy="1143000"/>
           </a:xfrm>
           <a:prstGeom prst="rect">
             <a:avLst/>
@@ -4643,7 +4613,7 @@
         </p:spPr>
         <p:txBody>
           <a:bodyPr vert="horz" lIns="91440" tIns="45720" rIns="91440" bIns="45720" rtlCol="0" anchor="ctr" anchorCtr="1">
-            <a:normAutofit fontScale="92500"/>
+            <a:normAutofit/>
           </a:bodyPr>
           <a:lstStyle>
             <a:lvl1pPr algn="ctr" defTabSz="914400" rtl="0" eaLnBrk="1" fontAlgn="base" latinLnBrk="0" hangingPunct="1">
@@ -4826,7 +4796,7 @@
               <a:defRPr/>
             </a:pPr>
             <a:r>
-              <a:rPr lang="ru-RU" sz="5400" dirty="0" smtClean="0">
+              <a:rPr lang="ru-RU" sz="3200" dirty="0" smtClean="0">
                 <a:solidFill>
                   <a:schemeClr val="bg1"/>
                 </a:solidFill>
@@ -4835,7 +4805,7 @@
               <a:t>структура </a:t>
             </a:r>
             <a:r>
-              <a:rPr lang="ru-RU" sz="5400" dirty="0" err="1" smtClean="0">
+              <a:rPr lang="ru-RU" sz="3200" dirty="0" err="1" smtClean="0">
                 <a:solidFill>
                   <a:schemeClr val="bg1"/>
                 </a:solidFill>
@@ -4844,15 +4814,38 @@
               <a:t>сервісного</a:t>
             </a:r>
             <a:r>
-              <a:rPr lang="ru-RU" sz="5400" dirty="0" smtClean="0">
+              <a:rPr lang="ru-RU" sz="3200" dirty="0" smtClean="0">
                 <a:solidFill>
                   <a:schemeClr val="bg1"/>
                 </a:solidFill>
                 <a:latin typeface="Times New Roman" pitchFamily="18" charset="0"/>
               </a:rPr>
-              <a:t> центру</a:t>
-            </a:r>
-            <a:endParaRPr lang="ru-RU" sz="5400" dirty="0">
+              <a:t> </a:t>
+            </a:r>
+            <a:r>
+              <a:rPr lang="ru-RU" sz="3200" dirty="0" err="1">
+                <a:solidFill>
+                  <a:schemeClr val="bg1"/>
+                </a:solidFill>
+                <a:latin typeface="Times New Roman" pitchFamily="18" charset="0"/>
+              </a:rPr>
+              <a:t>центру«СервісФон</a:t>
+            </a:r>
+            <a:r>
+              <a:rPr lang="ru-RU" sz="3200" dirty="0">
+                <a:solidFill>
+                  <a:schemeClr val="bg1"/>
+                </a:solidFill>
+                <a:latin typeface="Times New Roman" pitchFamily="18" charset="0"/>
+              </a:rPr>
+              <a:t>»</a:t>
+            </a:r>
+          </a:p>
+          <a:p>
+            <a:pPr>
+              <a:defRPr/>
+            </a:pPr>
+            <a:endParaRPr lang="ru-RU" sz="4000" dirty="0">
               <a:solidFill>
                 <a:schemeClr val="bg1"/>
               </a:solidFill>
@@ -5307,7 +5300,7 @@
         </p:blipFill>
         <p:spPr bwMode="auto">
           <a:xfrm>
-            <a:off x="261259" y="1981200"/>
+            <a:off x="261259" y="1905000"/>
             <a:ext cx="4357913" cy="2339902"/>
           </a:xfrm>
           <a:prstGeom prst="rect">
@@ -5348,7 +5341,7 @@
         </p:blipFill>
         <p:spPr bwMode="auto">
           <a:xfrm>
-            <a:off x="4771571" y="1981200"/>
+            <a:off x="4771571" y="1905000"/>
             <a:ext cx="4114800" cy="2339902"/>
           </a:xfrm>
           <a:prstGeom prst="rect">
@@ -5411,6 +5404,487 @@
     <p:extLst>
       <p:ext uri="{BB962C8B-B14F-4D97-AF65-F5344CB8AC3E}">
         <p14:creationId xmlns:p14="http://schemas.microsoft.com/office/powerpoint/2010/main" val="4221130782"/>
+      </p:ext>
+    </p:extLst>
+  </p:cSld>
+  <p:clrMapOvr>
+    <a:masterClrMapping/>
+  </p:clrMapOvr>
+  <p:timing>
+    <p:tnLst>
+      <p:par>
+        <p:cTn id="1" dur="indefinite" restart="never" nodeType="tmRoot"/>
+      </p:par>
+    </p:tnLst>
+  </p:timing>
+</p:sld>
+</file>
+
+<file path=ppt/slides/slide5.xml><?xml version="1.0" encoding="utf-8"?>
+<p:sld xmlns:a="http://schemas.openxmlformats.org/drawingml/2006/main" xmlns:r="http://schemas.openxmlformats.org/officeDocument/2006/relationships" xmlns:p="http://schemas.openxmlformats.org/presentationml/2006/main">
+  <p:cSld>
+    <p:spTree>
+      <p:nvGrpSpPr>
+        <p:cNvPr id="1" name=""/>
+        <p:cNvGrpSpPr/>
+        <p:nvPr/>
+      </p:nvGrpSpPr>
+      <p:grpSpPr>
+        <a:xfrm>
+          <a:off x="0" y="0"/>
+          <a:ext cx="0" cy="0"/>
+          <a:chOff x="0" y="0"/>
+          <a:chExt cx="0" cy="0"/>
+        </a:xfrm>
+      </p:grpSpPr>
+      <p:sp>
+        <p:nvSpPr>
+          <p:cNvPr id="5" name="Прямоугольник 4"/>
+          <p:cNvSpPr/>
+          <p:nvPr/>
+        </p:nvSpPr>
+        <p:spPr>
+          <a:xfrm>
+            <a:off x="571499" y="40866"/>
+            <a:ext cx="8001000" cy="923330"/>
+          </a:xfrm>
+          <a:prstGeom prst="rect">
+            <a:avLst/>
+          </a:prstGeom>
+        </p:spPr>
+        <p:txBody>
+          <a:bodyPr wrap="square">
+            <a:spAutoFit/>
+          </a:bodyPr>
+          <a:lstStyle/>
+          <a:p>
+            <a:pPr lvl="0" algn="ctr">
+              <a:defRPr/>
+            </a:pPr>
+            <a:r>
+              <a:rPr lang="uk-UA" sz="5400" dirty="0" smtClean="0">
+                <a:solidFill>
+                  <a:prstClr val="white"/>
+                </a:solidFill>
+                <a:latin typeface="Times New Roman" pitchFamily="18" charset="0"/>
+              </a:rPr>
+              <a:t>Схема бази даних</a:t>
+            </a:r>
+            <a:endParaRPr lang="ru-RU" sz="5400" dirty="0">
+              <a:solidFill>
+                <a:prstClr val="white"/>
+              </a:solidFill>
+              <a:latin typeface="Times New Roman" pitchFamily="18" charset="0"/>
+            </a:endParaRPr>
+          </a:p>
+        </p:txBody>
+      </p:sp>
+      <p:pic>
+        <p:nvPicPr>
+          <p:cNvPr id="7" name="Рисунок 6"/>
+          <p:cNvPicPr>
+            <a:picLocks noChangeAspect="1"/>
+          </p:cNvPicPr>
+          <p:nvPr/>
+        </p:nvPicPr>
+        <p:blipFill rotWithShape="1">
+          <a:blip r:embed="rId2">
+            <a:extLst>
+              <a:ext uri="{28A0092B-C50C-407E-A947-70E740481C1C}">
+                <a14:useLocalDpi xmlns:a14="http://schemas.microsoft.com/office/drawing/2010/main" val="0"/>
+              </a:ext>
+            </a:extLst>
+          </a:blip>
+          <a:srcRect t="11527"/>
+          <a:stretch/>
+        </p:blipFill>
+        <p:spPr>
+          <a:xfrm>
+            <a:off x="2164733" y="866775"/>
+            <a:ext cx="4814533" cy="5838826"/>
+          </a:xfrm>
+          <a:prstGeom prst="rect">
+            <a:avLst/>
+          </a:prstGeom>
+          <a:ln>
+            <a:noFill/>
+          </a:ln>
+        </p:spPr>
+      </p:pic>
+    </p:spTree>
+    <p:extLst>
+      <p:ext uri="{BB962C8B-B14F-4D97-AF65-F5344CB8AC3E}">
+        <p14:creationId xmlns:p14="http://schemas.microsoft.com/office/powerpoint/2010/main" val="2694851901"/>
+      </p:ext>
+    </p:extLst>
+  </p:cSld>
+  <p:clrMapOvr>
+    <a:masterClrMapping/>
+  </p:clrMapOvr>
+  <p:timing>
+    <p:tnLst>
+      <p:par>
+        <p:cTn id="1" dur="indefinite" restart="never" nodeType="tmRoot"/>
+      </p:par>
+    </p:tnLst>
+  </p:timing>
+</p:sld>
+</file>
+
+<file path=ppt/slides/slide6.xml><?xml version="1.0" encoding="utf-8"?>
+<p:sld xmlns:a="http://schemas.openxmlformats.org/drawingml/2006/main" xmlns:r="http://schemas.openxmlformats.org/officeDocument/2006/relationships" xmlns:p="http://schemas.openxmlformats.org/presentationml/2006/main">
+  <p:cSld>
+    <p:spTree>
+      <p:nvGrpSpPr>
+        <p:cNvPr id="1" name=""/>
+        <p:cNvGrpSpPr/>
+        <p:nvPr/>
+      </p:nvGrpSpPr>
+      <p:grpSpPr>
+        <a:xfrm>
+          <a:off x="0" y="0"/>
+          <a:ext cx="0" cy="0"/>
+          <a:chOff x="0" y="0"/>
+          <a:chExt cx="0" cy="0"/>
+        </a:xfrm>
+      </p:grpSpPr>
+      <p:sp>
+        <p:nvSpPr>
+          <p:cNvPr id="4" name="Прямоугольник 3"/>
+          <p:cNvSpPr/>
+          <p:nvPr/>
+        </p:nvSpPr>
+        <p:spPr>
+          <a:xfrm>
+            <a:off x="-381000" y="40866"/>
+            <a:ext cx="9906000" cy="830997"/>
+          </a:xfrm>
+          <a:prstGeom prst="rect">
+            <a:avLst/>
+          </a:prstGeom>
+        </p:spPr>
+        <p:txBody>
+          <a:bodyPr wrap="square">
+            <a:spAutoFit/>
+          </a:bodyPr>
+          <a:lstStyle/>
+          <a:p>
+            <a:pPr lvl="0" algn="ctr">
+              <a:defRPr/>
+            </a:pPr>
+            <a:r>
+              <a:rPr lang="uk-UA" sz="4800" dirty="0" smtClean="0">
+                <a:solidFill>
+                  <a:prstClr val="white"/>
+                </a:solidFill>
+                <a:latin typeface="Times New Roman" pitchFamily="18" charset="0"/>
+              </a:rPr>
+              <a:t>Діаграма варіантів використання</a:t>
+            </a:r>
+            <a:endParaRPr lang="ru-RU" sz="4800" dirty="0">
+              <a:solidFill>
+                <a:prstClr val="white"/>
+              </a:solidFill>
+              <a:latin typeface="Times New Roman" pitchFamily="18" charset="0"/>
+            </a:endParaRPr>
+          </a:p>
+        </p:txBody>
+      </p:sp>
+      <p:pic>
+        <p:nvPicPr>
+          <p:cNvPr id="10" name="Рисунок 9"/>
+          <p:cNvPicPr>
+            <a:picLocks noChangeAspect="1"/>
+          </p:cNvPicPr>
+          <p:nvPr/>
+        </p:nvPicPr>
+        <p:blipFill rotWithShape="1">
+          <a:blip r:embed="rId2">
+            <a:extLst>
+              <a:ext uri="{28A0092B-C50C-407E-A947-70E740481C1C}">
+                <a14:useLocalDpi xmlns:a14="http://schemas.microsoft.com/office/drawing/2010/main" val="0"/>
+              </a:ext>
+            </a:extLst>
+          </a:blip>
+          <a:srcRect t="6423"/>
+          <a:stretch/>
+        </p:blipFill>
+        <p:spPr>
+          <a:xfrm>
+            <a:off x="2134156" y="725714"/>
+            <a:ext cx="4875687" cy="6132286"/>
+          </a:xfrm>
+          <a:prstGeom prst="rect">
+            <a:avLst/>
+          </a:prstGeom>
+        </p:spPr>
+      </p:pic>
+    </p:spTree>
+    <p:extLst>
+      <p:ext uri="{BB962C8B-B14F-4D97-AF65-F5344CB8AC3E}">
+        <p14:creationId xmlns:p14="http://schemas.microsoft.com/office/powerpoint/2010/main" val="3914020635"/>
+      </p:ext>
+    </p:extLst>
+  </p:cSld>
+  <p:clrMapOvr>
+    <a:masterClrMapping/>
+  </p:clrMapOvr>
+  <p:timing>
+    <p:tnLst>
+      <p:par>
+        <p:cTn id="1" dur="indefinite" restart="never" nodeType="tmRoot"/>
+      </p:par>
+    </p:tnLst>
+  </p:timing>
+</p:sld>
+</file>
+
+<file path=ppt/slides/slide7.xml><?xml version="1.0" encoding="utf-8"?>
+<p:sld xmlns:a="http://schemas.openxmlformats.org/drawingml/2006/main" xmlns:r="http://schemas.openxmlformats.org/officeDocument/2006/relationships" xmlns:p="http://schemas.openxmlformats.org/presentationml/2006/main">
+  <p:cSld>
+    <p:spTree>
+      <p:nvGrpSpPr>
+        <p:cNvPr id="1" name=""/>
+        <p:cNvGrpSpPr/>
+        <p:nvPr/>
+      </p:nvGrpSpPr>
+      <p:grpSpPr>
+        <a:xfrm>
+          <a:off x="0" y="0"/>
+          <a:ext cx="0" cy="0"/>
+          <a:chOff x="0" y="0"/>
+          <a:chExt cx="0" cy="0"/>
+        </a:xfrm>
+      </p:grpSpPr>
+      <p:sp>
+        <p:nvSpPr>
+          <p:cNvPr id="3" name="Объект 2"/>
+          <p:cNvSpPr>
+            <a:spLocks noGrp="1"/>
+          </p:cNvSpPr>
+          <p:nvPr>
+            <p:ph idx="1"/>
+          </p:nvPr>
+        </p:nvSpPr>
+        <p:spPr>
+          <a:xfrm>
+            <a:off x="457200" y="1143000"/>
+            <a:ext cx="8229600" cy="4525963"/>
+          </a:xfrm>
+        </p:spPr>
+        <p:txBody>
+          <a:bodyPr>
+            <a:normAutofit lnSpcReduction="10000"/>
+          </a:bodyPr>
+          <a:lstStyle/>
+          <a:p>
+            <a:pPr>
+              <a:buFont typeface="Calibri" panose="020F0502020204030204" pitchFamily="34" charset="0"/>
+              <a:buChar char="–"/>
+            </a:pPr>
+            <a:r>
+              <a:rPr lang="uk-UA" dirty="0" smtClean="0">
+                <a:solidFill>
+                  <a:schemeClr val="bg1"/>
+                </a:solidFill>
+                <a:latin typeface="Times New Roman" panose="02020603050405020304" pitchFamily="18" charset="0"/>
+                <a:cs typeface="Times New Roman" panose="02020603050405020304" pitchFamily="18" charset="0"/>
+              </a:rPr>
+              <a:t>безпомилкові </a:t>
+            </a:r>
+            <a:r>
+              <a:rPr lang="uk-UA" dirty="0">
+                <a:solidFill>
+                  <a:schemeClr val="bg1"/>
+                </a:solidFill>
+                <a:latin typeface="Times New Roman" panose="02020603050405020304" pitchFamily="18" charset="0"/>
+                <a:cs typeface="Times New Roman" panose="02020603050405020304" pitchFamily="18" charset="0"/>
+              </a:rPr>
+              <a:t>арифметичні розрахунки;</a:t>
+            </a:r>
+          </a:p>
+          <a:p>
+            <a:pPr>
+              <a:buFont typeface="Calibri" panose="020F0502020204030204" pitchFamily="34" charset="0"/>
+              <a:buChar char="–"/>
+            </a:pPr>
+            <a:r>
+              <a:rPr lang="uk-UA" dirty="0" smtClean="0">
+                <a:solidFill>
+                  <a:schemeClr val="bg1"/>
+                </a:solidFill>
+                <a:latin typeface="Times New Roman" panose="02020603050405020304" pitchFamily="18" charset="0"/>
+                <a:cs typeface="Times New Roman" panose="02020603050405020304" pitchFamily="18" charset="0"/>
+              </a:rPr>
+              <a:t>забезпечення </a:t>
+            </a:r>
+            <a:r>
+              <a:rPr lang="uk-UA" dirty="0">
+                <a:solidFill>
+                  <a:schemeClr val="bg1"/>
+                </a:solidFill>
+                <a:latin typeface="Times New Roman" panose="02020603050405020304" pitchFamily="18" charset="0"/>
+                <a:cs typeface="Times New Roman" panose="02020603050405020304" pitchFamily="18" charset="0"/>
+              </a:rPr>
+              <a:t>підготовки , заповнення,  роздруківки первинних і звітних документів;</a:t>
+            </a:r>
+          </a:p>
+          <a:p>
+            <a:pPr>
+              <a:buFont typeface="Calibri" panose="020F0502020204030204" pitchFamily="34" charset="0"/>
+              <a:buChar char="–"/>
+            </a:pPr>
+            <a:r>
+              <a:rPr lang="uk-UA" dirty="0" smtClean="0">
+                <a:solidFill>
+                  <a:schemeClr val="bg1"/>
+                </a:solidFill>
+                <a:latin typeface="Times New Roman" panose="02020603050405020304" pitchFamily="18" charset="0"/>
+                <a:cs typeface="Times New Roman" panose="02020603050405020304" pitchFamily="18" charset="0"/>
+              </a:rPr>
+              <a:t>полегшення </a:t>
+            </a:r>
+            <a:r>
+              <a:rPr lang="uk-UA" dirty="0">
+                <a:solidFill>
+                  <a:schemeClr val="bg1"/>
+                </a:solidFill>
+                <a:latin typeface="Times New Roman" panose="02020603050405020304" pitchFamily="18" charset="0"/>
+                <a:cs typeface="Times New Roman" panose="02020603050405020304" pitchFamily="18" charset="0"/>
+              </a:rPr>
+              <a:t>доступу до бази даних товарів для прийняття рішення, щодо замовлення;</a:t>
+            </a:r>
+          </a:p>
+          <a:p>
+            <a:pPr>
+              <a:buFont typeface="Calibri" panose="020F0502020204030204" pitchFamily="34" charset="0"/>
+              <a:buChar char="–"/>
+            </a:pPr>
+            <a:r>
+              <a:rPr lang="uk-UA" dirty="0" smtClean="0">
+                <a:solidFill>
+                  <a:schemeClr val="bg1"/>
+                </a:solidFill>
+                <a:latin typeface="Times New Roman" panose="02020603050405020304" pitchFamily="18" charset="0"/>
+                <a:cs typeface="Times New Roman" panose="02020603050405020304" pitchFamily="18" charset="0"/>
+              </a:rPr>
+              <a:t>спрощення </a:t>
+            </a:r>
+            <a:r>
+              <a:rPr lang="uk-UA" dirty="0">
+                <a:solidFill>
+                  <a:schemeClr val="bg1"/>
+                </a:solidFill>
+                <a:latin typeface="Times New Roman" panose="02020603050405020304" pitchFamily="18" charset="0"/>
+                <a:cs typeface="Times New Roman" panose="02020603050405020304" pitchFamily="18" charset="0"/>
+              </a:rPr>
+              <a:t>та прискорення обробки даних;</a:t>
+            </a:r>
+          </a:p>
+          <a:p>
+            <a:pPr>
+              <a:buFont typeface="Calibri" panose="020F0502020204030204" pitchFamily="34" charset="0"/>
+              <a:buChar char="–"/>
+            </a:pPr>
+            <a:r>
+              <a:rPr lang="uk-UA" dirty="0" smtClean="0">
+                <a:solidFill>
+                  <a:schemeClr val="bg1"/>
+                </a:solidFill>
+                <a:latin typeface="Times New Roman" panose="02020603050405020304" pitchFamily="18" charset="0"/>
+                <a:cs typeface="Times New Roman" panose="02020603050405020304" pitchFamily="18" charset="0"/>
+              </a:rPr>
+              <a:t>забезпечення </a:t>
+            </a:r>
+            <a:r>
+              <a:rPr lang="uk-UA" dirty="0">
+                <a:solidFill>
+                  <a:schemeClr val="bg1"/>
+                </a:solidFill>
+                <a:latin typeface="Times New Roman" panose="02020603050405020304" pitchFamily="18" charset="0"/>
+                <a:cs typeface="Times New Roman" panose="02020603050405020304" pitchFamily="18" charset="0"/>
+              </a:rPr>
+              <a:t>звертання до даних і звітів за минулі </a:t>
+            </a:r>
+            <a:r>
+              <a:rPr lang="uk-UA" dirty="0" smtClean="0">
+                <a:solidFill>
+                  <a:schemeClr val="bg1"/>
+                </a:solidFill>
+                <a:latin typeface="Times New Roman" panose="02020603050405020304" pitchFamily="18" charset="0"/>
+                <a:cs typeface="Times New Roman" panose="02020603050405020304" pitchFamily="18" charset="0"/>
+              </a:rPr>
+              <a:t>періоди</a:t>
+            </a:r>
+            <a:r>
+              <a:rPr lang="en-US" dirty="0">
+                <a:solidFill>
+                  <a:schemeClr val="bg1"/>
+                </a:solidFill>
+                <a:latin typeface="Times New Roman" panose="02020603050405020304" pitchFamily="18" charset="0"/>
+                <a:cs typeface="Times New Roman" panose="02020603050405020304" pitchFamily="18" charset="0"/>
+              </a:rPr>
+              <a:t>.</a:t>
+            </a:r>
+            <a:endParaRPr lang="uk-UA" dirty="0">
+              <a:solidFill>
+                <a:schemeClr val="bg1"/>
+              </a:solidFill>
+              <a:latin typeface="Times New Roman" panose="02020603050405020304" pitchFamily="18" charset="0"/>
+              <a:cs typeface="Times New Roman" panose="02020603050405020304" pitchFamily="18" charset="0"/>
+            </a:endParaRPr>
+          </a:p>
+          <a:p>
+            <a:endParaRPr lang="uk-UA" dirty="0"/>
+          </a:p>
+        </p:txBody>
+      </p:sp>
+      <p:sp>
+        <p:nvSpPr>
+          <p:cNvPr id="4" name="Прямоугольник 3"/>
+          <p:cNvSpPr/>
+          <p:nvPr/>
+        </p:nvSpPr>
+        <p:spPr>
+          <a:xfrm>
+            <a:off x="-381000" y="40866"/>
+            <a:ext cx="9906000" cy="830997"/>
+          </a:xfrm>
+          <a:prstGeom prst="rect">
+            <a:avLst/>
+          </a:prstGeom>
+        </p:spPr>
+        <p:txBody>
+          <a:bodyPr wrap="square">
+            <a:spAutoFit/>
+          </a:bodyPr>
+          <a:lstStyle/>
+          <a:p>
+            <a:pPr lvl="0" algn="ctr">
+              <a:defRPr/>
+            </a:pPr>
+            <a:r>
+              <a:rPr lang="uk-UA" sz="4800" dirty="0" smtClean="0">
+                <a:solidFill>
+                  <a:prstClr val="white"/>
+                </a:solidFill>
+                <a:latin typeface="Times New Roman" pitchFamily="18" charset="0"/>
+              </a:rPr>
+              <a:t>Вимоги до інформаційної системи</a:t>
+            </a:r>
+            <a:endParaRPr lang="ru-RU" sz="4800" dirty="0">
+              <a:solidFill>
+                <a:prstClr val="white"/>
+              </a:solidFill>
+              <a:latin typeface="Times New Roman" pitchFamily="18" charset="0"/>
+            </a:endParaRPr>
+          </a:p>
+        </p:txBody>
+      </p:sp>
+    </p:spTree>
+    <p:extLst>
+      <p:ext uri="{BB962C8B-B14F-4D97-AF65-F5344CB8AC3E}">
+        <p14:creationId xmlns:p14="http://schemas.microsoft.com/office/powerpoint/2010/main" val="4048639873"/>
       </p:ext>
     </p:extLst>
   </p:cSld>
